--- a/Opioid_Crisis.pptx
+++ b/Opioid_Crisis.pptx
@@ -6,9 +6,17 @@
   </p:sldMasterIdLst>
   <p:sldIdLst>
     <p:sldId id="256" r:id="rId2"/>
-    <p:sldId id="257" r:id="rId3"/>
-    <p:sldId id="258" r:id="rId4"/>
+    <p:sldId id="258" r:id="rId3"/>
+    <p:sldId id="257" r:id="rId4"/>
     <p:sldId id="259" r:id="rId5"/>
+    <p:sldId id="261" r:id="rId6"/>
+    <p:sldId id="260" r:id="rId7"/>
+    <p:sldId id="262" r:id="rId8"/>
+    <p:sldId id="263" r:id="rId9"/>
+    <p:sldId id="264" r:id="rId10"/>
+    <p:sldId id="265" r:id="rId11"/>
+    <p:sldId id="266" r:id="rId12"/>
+    <p:sldId id="267" r:id="rId13"/>
   </p:sldIdLst>
   <p:sldSz cx="12192000" cy="6858000"/>
   <p:notesSz cx="6858000" cy="9144000"/>
@@ -107,6 +115,11 @@
       </a:defRPr>
     </a:lvl9pPr>
   </p:defaultTextStyle>
+  <p:extLst>
+    <p:ext uri="{EFAFB233-063F-42B5-8137-9DF3F51BA10A}">
+      <p15:sldGuideLst xmlns:p15="http://schemas.microsoft.com/office/powerpoint/2012/main"/>
+    </p:ext>
+  </p:extLst>
 </p:presentation>
 </file>
 
@@ -7209,6 +7222,303 @@
 </p:sld>
 </file>
 
+<file path=ppt/slides/slide10.xml><?xml version="1.0" encoding="utf-8"?>
+<p:sld xmlns:a="http://schemas.openxmlformats.org/drawingml/2006/main" xmlns:r="http://schemas.openxmlformats.org/officeDocument/2006/relationships" xmlns:p="http://schemas.openxmlformats.org/presentationml/2006/main">
+  <p:cSld>
+    <p:spTree>
+      <p:nvGrpSpPr>
+        <p:cNvPr id="1" name=""/>
+        <p:cNvGrpSpPr/>
+        <p:nvPr/>
+      </p:nvGrpSpPr>
+      <p:grpSpPr>
+        <a:xfrm>
+          <a:off x="0" y="0"/>
+          <a:ext cx="0" cy="0"/>
+          <a:chOff x="0" y="0"/>
+          <a:chExt cx="0" cy="0"/>
+        </a:xfrm>
+      </p:grpSpPr>
+      <p:sp>
+        <p:nvSpPr>
+          <p:cNvPr id="2" name="Title 1">
+            <a:extLst>
+              <a:ext uri="{FF2B5EF4-FFF2-40B4-BE49-F238E27FC236}">
+                <a16:creationId xmlns:a16="http://schemas.microsoft.com/office/drawing/2014/main" id="{644A550B-6B84-4E1B-BCE0-15C0BACDE904}"/>
+              </a:ext>
+            </a:extLst>
+          </p:cNvPr>
+          <p:cNvSpPr>
+            <a:spLocks noGrp="1"/>
+          </p:cNvSpPr>
+          <p:nvPr>
+            <p:ph type="title"/>
+          </p:nvPr>
+        </p:nvSpPr>
+        <p:spPr/>
+        <p:txBody>
+          <a:bodyPr/>
+          <a:lstStyle/>
+          <a:p>
+            <a:r>
+              <a:rPr lang="en-US" dirty="0"/>
+              <a:t>Opioids and Unemployment</a:t>
+            </a:r>
+          </a:p>
+        </p:txBody>
+      </p:sp>
+      <p:sp>
+        <p:nvSpPr>
+          <p:cNvPr id="3" name="Content Placeholder 2">
+            <a:extLst>
+              <a:ext uri="{FF2B5EF4-FFF2-40B4-BE49-F238E27FC236}">
+                <a16:creationId xmlns:a16="http://schemas.microsoft.com/office/drawing/2014/main" id="{71C0A020-E567-4A8A-BC21-B90FCC0D52FD}"/>
+              </a:ext>
+            </a:extLst>
+          </p:cNvPr>
+          <p:cNvSpPr>
+            <a:spLocks noGrp="1"/>
+          </p:cNvSpPr>
+          <p:nvPr>
+            <p:ph idx="1"/>
+          </p:nvPr>
+        </p:nvSpPr>
+        <p:spPr/>
+        <p:txBody>
+          <a:bodyPr/>
+          <a:lstStyle/>
+          <a:p>
+            <a:r>
+              <a:rPr lang="en-US" dirty="0"/>
+              <a:t>Brief intro</a:t>
+            </a:r>
+          </a:p>
+          <a:p>
+            <a:r>
+              <a:rPr lang="en-US" dirty="0" err="1"/>
+              <a:t>Jupyter</a:t>
+            </a:r>
+            <a:endParaRPr lang="en-US" dirty="0"/>
+          </a:p>
+          <a:p>
+            <a:r>
+              <a:rPr lang="en-US" dirty="0"/>
+              <a:t>Graph</a:t>
+            </a:r>
+          </a:p>
+        </p:txBody>
+      </p:sp>
+    </p:spTree>
+    <p:extLst>
+      <p:ext uri="{BB962C8B-B14F-4D97-AF65-F5344CB8AC3E}">
+        <p14:creationId xmlns:p14="http://schemas.microsoft.com/office/powerpoint/2010/main" val="3120752066"/>
+      </p:ext>
+    </p:extLst>
+  </p:cSld>
+  <p:clrMapOvr>
+    <a:masterClrMapping/>
+  </p:clrMapOvr>
+</p:sld>
+</file>
+
+<file path=ppt/slides/slide11.xml><?xml version="1.0" encoding="utf-8"?>
+<p:sld xmlns:a="http://schemas.openxmlformats.org/drawingml/2006/main" xmlns:r="http://schemas.openxmlformats.org/officeDocument/2006/relationships" xmlns:p="http://schemas.openxmlformats.org/presentationml/2006/main">
+  <p:cSld>
+    <p:spTree>
+      <p:nvGrpSpPr>
+        <p:cNvPr id="1" name=""/>
+        <p:cNvGrpSpPr/>
+        <p:nvPr/>
+      </p:nvGrpSpPr>
+      <p:grpSpPr>
+        <a:xfrm>
+          <a:off x="0" y="0"/>
+          <a:ext cx="0" cy="0"/>
+          <a:chOff x="0" y="0"/>
+          <a:chExt cx="0" cy="0"/>
+        </a:xfrm>
+      </p:grpSpPr>
+      <p:sp>
+        <p:nvSpPr>
+          <p:cNvPr id="2" name="Title 1">
+            <a:extLst>
+              <a:ext uri="{FF2B5EF4-FFF2-40B4-BE49-F238E27FC236}">
+                <a16:creationId xmlns:a16="http://schemas.microsoft.com/office/drawing/2014/main" id="{79F0C740-CC1B-4BE6-BAFF-6B47237617CE}"/>
+              </a:ext>
+            </a:extLst>
+          </p:cNvPr>
+          <p:cNvSpPr>
+            <a:spLocks noGrp="1"/>
+          </p:cNvSpPr>
+          <p:nvPr>
+            <p:ph type="title"/>
+          </p:nvPr>
+        </p:nvSpPr>
+        <p:spPr/>
+        <p:txBody>
+          <a:bodyPr/>
+          <a:lstStyle/>
+          <a:p>
+            <a:r>
+              <a:rPr lang="en-US" dirty="0"/>
+              <a:t>Opioids and Bipartisanship</a:t>
+            </a:r>
+          </a:p>
+        </p:txBody>
+      </p:sp>
+      <p:sp>
+        <p:nvSpPr>
+          <p:cNvPr id="3" name="Content Placeholder 2">
+            <a:extLst>
+              <a:ext uri="{FF2B5EF4-FFF2-40B4-BE49-F238E27FC236}">
+                <a16:creationId xmlns:a16="http://schemas.microsoft.com/office/drawing/2014/main" id="{EDD30BC1-4EFF-4447-9CC5-40B346E8F8AB}"/>
+              </a:ext>
+            </a:extLst>
+          </p:cNvPr>
+          <p:cNvSpPr>
+            <a:spLocks noGrp="1"/>
+          </p:cNvSpPr>
+          <p:nvPr>
+            <p:ph idx="1"/>
+          </p:nvPr>
+        </p:nvSpPr>
+        <p:spPr/>
+        <p:txBody>
+          <a:bodyPr/>
+          <a:lstStyle/>
+          <a:p>
+            <a:r>
+              <a:rPr lang="en-US" dirty="0"/>
+              <a:t>Brief intro</a:t>
+            </a:r>
+          </a:p>
+          <a:p>
+            <a:r>
+              <a:rPr lang="en-US" dirty="0" err="1"/>
+              <a:t>Jupyter</a:t>
+            </a:r>
+            <a:endParaRPr lang="en-US" dirty="0"/>
+          </a:p>
+          <a:p>
+            <a:r>
+              <a:rPr lang="en-US" dirty="0"/>
+              <a:t>Graph</a:t>
+            </a:r>
+          </a:p>
+        </p:txBody>
+      </p:sp>
+    </p:spTree>
+    <p:extLst>
+      <p:ext uri="{BB962C8B-B14F-4D97-AF65-F5344CB8AC3E}">
+        <p14:creationId xmlns:p14="http://schemas.microsoft.com/office/powerpoint/2010/main" val="2417882376"/>
+      </p:ext>
+    </p:extLst>
+  </p:cSld>
+  <p:clrMapOvr>
+    <a:masterClrMapping/>
+  </p:clrMapOvr>
+</p:sld>
+</file>
+
+<file path=ppt/slides/slide12.xml><?xml version="1.0" encoding="utf-8"?>
+<p:sld xmlns:a="http://schemas.openxmlformats.org/drawingml/2006/main" xmlns:r="http://schemas.openxmlformats.org/officeDocument/2006/relationships" xmlns:p="http://schemas.openxmlformats.org/presentationml/2006/main">
+  <p:cSld>
+    <p:spTree>
+      <p:nvGrpSpPr>
+        <p:cNvPr id="1" name=""/>
+        <p:cNvGrpSpPr/>
+        <p:nvPr/>
+      </p:nvGrpSpPr>
+      <p:grpSpPr>
+        <a:xfrm>
+          <a:off x="0" y="0"/>
+          <a:ext cx="0" cy="0"/>
+          <a:chOff x="0" y="0"/>
+          <a:chExt cx="0" cy="0"/>
+        </a:xfrm>
+      </p:grpSpPr>
+      <p:sp>
+        <p:nvSpPr>
+          <p:cNvPr id="2" name="Title 1">
+            <a:extLst>
+              <a:ext uri="{FF2B5EF4-FFF2-40B4-BE49-F238E27FC236}">
+                <a16:creationId xmlns:a16="http://schemas.microsoft.com/office/drawing/2014/main" id="{DC1D965C-14BC-4293-87ED-849FA694E3CE}"/>
+              </a:ext>
+            </a:extLst>
+          </p:cNvPr>
+          <p:cNvSpPr>
+            <a:spLocks noGrp="1"/>
+          </p:cNvSpPr>
+          <p:nvPr>
+            <p:ph type="title"/>
+          </p:nvPr>
+        </p:nvSpPr>
+        <p:spPr/>
+        <p:txBody>
+          <a:bodyPr/>
+          <a:lstStyle/>
+          <a:p>
+            <a:r>
+              <a:rPr lang="en-US" dirty="0"/>
+              <a:t>Opioids and Income</a:t>
+            </a:r>
+          </a:p>
+        </p:txBody>
+      </p:sp>
+      <p:sp>
+        <p:nvSpPr>
+          <p:cNvPr id="3" name="Content Placeholder 2">
+            <a:extLst>
+              <a:ext uri="{FF2B5EF4-FFF2-40B4-BE49-F238E27FC236}">
+                <a16:creationId xmlns:a16="http://schemas.microsoft.com/office/drawing/2014/main" id="{4046B3EE-1E34-4D6A-9BFC-E1202B311796}"/>
+              </a:ext>
+            </a:extLst>
+          </p:cNvPr>
+          <p:cNvSpPr>
+            <a:spLocks noGrp="1"/>
+          </p:cNvSpPr>
+          <p:nvPr>
+            <p:ph idx="1"/>
+          </p:nvPr>
+        </p:nvSpPr>
+        <p:spPr/>
+        <p:txBody>
+          <a:bodyPr/>
+          <a:lstStyle/>
+          <a:p>
+            <a:r>
+              <a:rPr lang="en-US" dirty="0"/>
+              <a:t>Brief intro</a:t>
+            </a:r>
+          </a:p>
+          <a:p>
+            <a:r>
+              <a:rPr lang="en-US" dirty="0" err="1"/>
+              <a:t>Jupyter</a:t>
+            </a:r>
+            <a:endParaRPr lang="en-US" dirty="0"/>
+          </a:p>
+          <a:p>
+            <a:r>
+              <a:rPr lang="en-US" dirty="0"/>
+              <a:t>Graph</a:t>
+            </a:r>
+          </a:p>
+        </p:txBody>
+      </p:sp>
+    </p:spTree>
+    <p:extLst>
+      <p:ext uri="{BB962C8B-B14F-4D97-AF65-F5344CB8AC3E}">
+        <p14:creationId xmlns:p14="http://schemas.microsoft.com/office/powerpoint/2010/main" val="98453793"/>
+      </p:ext>
+    </p:extLst>
+  </p:cSld>
+  <p:clrMapOvr>
+    <a:masterClrMapping/>
+  </p:clrMapOvr>
+</p:sld>
+</file>
+
 <file path=ppt/slides/slide2.xml><?xml version="1.0" encoding="utf-8"?>
 <p:sld xmlns:a="http://schemas.openxmlformats.org/drawingml/2006/main" xmlns:r="http://schemas.openxmlformats.org/officeDocument/2006/relationships" xmlns:p="http://schemas.openxmlformats.org/presentationml/2006/main">
   <p:cSld>
@@ -7231,7 +7541,7 @@
           <p:cNvPr id="2" name="Title 1">
             <a:extLst>
               <a:ext uri="{FF2B5EF4-FFF2-40B4-BE49-F238E27FC236}">
-                <a16:creationId xmlns:a16="http://schemas.microsoft.com/office/drawing/2014/main" id="{06DCEA64-78B8-456B-BFC8-7A84DD5B7A0F}"/>
+                <a16:creationId xmlns:a16="http://schemas.microsoft.com/office/drawing/2014/main" id="{097984D2-8B8C-4045-A45D-9EB40ED7DFBA}"/>
               </a:ext>
             </a:extLst>
           </p:cNvPr>
@@ -7247,7 +7557,10 @@
           <a:bodyPr/>
           <a:lstStyle/>
           <a:p>
-            <a:endParaRPr lang="en-US"/>
+            <a:r>
+              <a:rPr lang="en-US" dirty="0"/>
+              <a:t>Why Opioids?</a:t>
+            </a:r>
           </a:p>
         </p:txBody>
       </p:sp>
@@ -7256,7 +7569,7 @@
           <p:cNvPr id="3" name="Content Placeholder 2">
             <a:extLst>
               <a:ext uri="{FF2B5EF4-FFF2-40B4-BE49-F238E27FC236}">
-                <a16:creationId xmlns:a16="http://schemas.microsoft.com/office/drawing/2014/main" id="{A43F9490-3BE2-4D3D-B24D-F8B53C656DA4}"/>
+                <a16:creationId xmlns:a16="http://schemas.microsoft.com/office/drawing/2014/main" id="{ABE97CF5-7B1D-4D3C-ADA4-BC5C798A1EA9}"/>
               </a:ext>
             </a:extLst>
           </p:cNvPr>
@@ -7267,19 +7580,30 @@
             <p:ph idx="1"/>
           </p:nvPr>
         </p:nvSpPr>
-        <p:spPr/>
+        <p:spPr>
+          <a:xfrm>
+            <a:off x="646111" y="1945342"/>
+            <a:ext cx="9511971" cy="4195481"/>
+          </a:xfrm>
+        </p:spPr>
         <p:txBody>
           <a:bodyPr/>
           <a:lstStyle/>
           <a:p>
-            <a:endParaRPr lang="en-US"/>
+            <a:pPr marL="0" indent="0">
+              <a:buNone/>
+            </a:pPr>
+            <a:r>
+              <a:rPr lang="en-US" dirty="0"/>
+              <a:t>We decided to choose a topic that has affected Americans in epidemic rates. The Opioid Epidemic has been at an all-time high due to number of Opioid Prescriptions given for pain. As prescription pain killers become more regulated and tougher to get, many users have decided to turn to illegal street narcotics such as heroin. We wanted to see what are some underlying factors in opioid deaths including socio-economic status, government legislation, and others.</a:t>
+            </a:r>
           </a:p>
         </p:txBody>
       </p:sp>
     </p:spTree>
     <p:extLst>
       <p:ext uri="{BB962C8B-B14F-4D97-AF65-F5344CB8AC3E}">
-        <p14:creationId xmlns:p14="http://schemas.microsoft.com/office/powerpoint/2010/main" val="1431602338"/>
+        <p14:creationId xmlns:p14="http://schemas.microsoft.com/office/powerpoint/2010/main" val="26076598"/>
       </p:ext>
     </p:extLst>
   </p:cSld>
@@ -7311,7 +7635,7 @@
           <p:cNvPr id="2" name="Title 1">
             <a:extLst>
               <a:ext uri="{FF2B5EF4-FFF2-40B4-BE49-F238E27FC236}">
-                <a16:creationId xmlns:a16="http://schemas.microsoft.com/office/drawing/2014/main" id="{097984D2-8B8C-4045-A45D-9EB40ED7DFBA}"/>
+                <a16:creationId xmlns:a16="http://schemas.microsoft.com/office/drawing/2014/main" id="{06DCEA64-78B8-456B-BFC8-7A84DD5B7A0F}"/>
               </a:ext>
             </a:extLst>
           </p:cNvPr>
@@ -7327,7 +7651,10 @@
           <a:bodyPr/>
           <a:lstStyle/>
           <a:p>
-            <a:endParaRPr lang="en-US"/>
+            <a:r>
+              <a:rPr lang="en-US" dirty="0"/>
+              <a:t>Factors for Opioid Crisis</a:t>
+            </a:r>
           </a:p>
         </p:txBody>
       </p:sp>
@@ -7336,7 +7663,7 @@
           <p:cNvPr id="3" name="Content Placeholder 2">
             <a:extLst>
               <a:ext uri="{FF2B5EF4-FFF2-40B4-BE49-F238E27FC236}">
-                <a16:creationId xmlns:a16="http://schemas.microsoft.com/office/drawing/2014/main" id="{ABE97CF5-7B1D-4D3C-ADA4-BC5C798A1EA9}"/>
+                <a16:creationId xmlns:a16="http://schemas.microsoft.com/office/drawing/2014/main" id="{A43F9490-3BE2-4D3D-B24D-F8B53C656DA4}"/>
               </a:ext>
             </a:extLst>
           </p:cNvPr>
@@ -7352,14 +7679,35 @@
           <a:bodyPr/>
           <a:lstStyle/>
           <a:p>
-            <a:endParaRPr lang="en-US"/>
+            <a:r>
+              <a:rPr lang="en-US" dirty="0"/>
+              <a:t>How does Opioid Legislation affect the overdose rate?</a:t>
+            </a:r>
+          </a:p>
+          <a:p>
+            <a:r>
+              <a:rPr lang="en-US" dirty="0"/>
+              <a:t>Is there a relationship between Opioid Related Deaths and unemployment rate?</a:t>
+            </a:r>
+          </a:p>
+          <a:p>
+            <a:r>
+              <a:rPr lang="en-US" dirty="0"/>
+              <a:t>Is there a relationship between Opioid Related Deaths and average income?</a:t>
+            </a:r>
+          </a:p>
+          <a:p>
+            <a:r>
+              <a:rPr lang="en-US" dirty="0"/>
+              <a:t>Do Bipartisanship Politics affect Opioid Related legislation?</a:t>
+            </a:r>
           </a:p>
         </p:txBody>
       </p:sp>
     </p:spTree>
     <p:extLst>
       <p:ext uri="{BB962C8B-B14F-4D97-AF65-F5344CB8AC3E}">
-        <p14:creationId xmlns:p14="http://schemas.microsoft.com/office/powerpoint/2010/main" val="26076598"/>
+        <p14:creationId xmlns:p14="http://schemas.microsoft.com/office/powerpoint/2010/main" val="1431602338"/>
       </p:ext>
     </p:extLst>
   </p:cSld>
@@ -7407,7 +7755,10 @@
           <a:bodyPr/>
           <a:lstStyle/>
           <a:p>
-            <a:endParaRPr lang="en-US"/>
+            <a:r>
+              <a:rPr lang="en-US" dirty="0"/>
+              <a:t>Predicated Outcomes</a:t>
+            </a:r>
           </a:p>
         </p:txBody>
       </p:sp>
@@ -7427,12 +7778,23 @@
             <p:ph idx="1"/>
           </p:nvPr>
         </p:nvSpPr>
-        <p:spPr/>
+        <p:spPr>
+          <a:xfrm>
+            <a:off x="645130" y="2052918"/>
+            <a:ext cx="9404723" cy="4195481"/>
+          </a:xfrm>
+        </p:spPr>
         <p:txBody>
           <a:bodyPr/>
           <a:lstStyle/>
           <a:p>
-            <a:endParaRPr lang="en-US"/>
+            <a:pPr marL="0" indent="0">
+              <a:buNone/>
+            </a:pPr>
+            <a:r>
+              <a:rPr lang="en-US" dirty="0"/>
+              <a:t>We believe socio-economic status, education and race will not be contributing factors in opioid overdoes. With legislation against prescription pain killers combined with the sacristy of prescription pain killers available on the street, we believe there should be a decrease in opioid related deaths.</a:t>
+            </a:r>
           </a:p>
         </p:txBody>
       </p:sp>
@@ -7440,6 +7802,527 @@
     <p:extLst>
       <p:ext uri="{BB962C8B-B14F-4D97-AF65-F5344CB8AC3E}">
         <p14:creationId xmlns:p14="http://schemas.microsoft.com/office/powerpoint/2010/main" val="1735501407"/>
+      </p:ext>
+    </p:extLst>
+  </p:cSld>
+  <p:clrMapOvr>
+    <a:masterClrMapping/>
+  </p:clrMapOvr>
+</p:sld>
+</file>
+
+<file path=ppt/slides/slide5.xml><?xml version="1.0" encoding="utf-8"?>
+<p:sld xmlns:a="http://schemas.openxmlformats.org/drawingml/2006/main" xmlns:r="http://schemas.openxmlformats.org/officeDocument/2006/relationships" xmlns:p="http://schemas.openxmlformats.org/presentationml/2006/main">
+  <p:cSld>
+    <p:spTree>
+      <p:nvGrpSpPr>
+        <p:cNvPr id="1" name=""/>
+        <p:cNvGrpSpPr/>
+        <p:nvPr/>
+      </p:nvGrpSpPr>
+      <p:grpSpPr>
+        <a:xfrm>
+          <a:off x="0" y="0"/>
+          <a:ext cx="0" cy="0"/>
+          <a:chOff x="0" y="0"/>
+          <a:chExt cx="0" cy="0"/>
+        </a:xfrm>
+      </p:grpSpPr>
+      <p:sp>
+        <p:nvSpPr>
+          <p:cNvPr id="2" name="Title 1">
+            <a:extLst>
+              <a:ext uri="{FF2B5EF4-FFF2-40B4-BE49-F238E27FC236}">
+                <a16:creationId xmlns:a16="http://schemas.microsoft.com/office/drawing/2014/main" id="{4C2FFF01-E076-4027-AEFB-347560C99372}"/>
+              </a:ext>
+            </a:extLst>
+          </p:cNvPr>
+          <p:cNvSpPr>
+            <a:spLocks noGrp="1"/>
+          </p:cNvSpPr>
+          <p:nvPr>
+            <p:ph type="title"/>
+          </p:nvPr>
+        </p:nvSpPr>
+        <p:spPr/>
+        <p:txBody>
+          <a:bodyPr/>
+          <a:lstStyle/>
+          <a:p>
+            <a:r>
+              <a:rPr lang="en-US" dirty="0"/>
+              <a:t>Brief Summation of Factors</a:t>
+            </a:r>
+          </a:p>
+        </p:txBody>
+      </p:sp>
+      <p:sp>
+        <p:nvSpPr>
+          <p:cNvPr id="3" name="Content Placeholder 2">
+            <a:extLst>
+              <a:ext uri="{FF2B5EF4-FFF2-40B4-BE49-F238E27FC236}">
+                <a16:creationId xmlns:a16="http://schemas.microsoft.com/office/drawing/2014/main" id="{E4C295C6-B2C5-465D-96A2-1798A7967CB5}"/>
+              </a:ext>
+            </a:extLst>
+          </p:cNvPr>
+          <p:cNvSpPr>
+            <a:spLocks noGrp="1"/>
+          </p:cNvSpPr>
+          <p:nvPr>
+            <p:ph idx="1"/>
+          </p:nvPr>
+        </p:nvSpPr>
+        <p:spPr/>
+        <p:txBody>
+          <a:bodyPr/>
+          <a:lstStyle/>
+          <a:p>
+            <a:r>
+              <a:rPr lang="en-US" dirty="0"/>
+              <a:t>We were able to answer our questions by looking at data correlations between two or more data sets.</a:t>
+            </a:r>
+          </a:p>
+          <a:p>
+            <a:r>
+              <a:rPr lang="en-US" dirty="0"/>
+              <a:t>By creating various graphs, we were able to see trends in the questions we asked.</a:t>
+            </a:r>
+          </a:p>
+          <a:p>
+            <a:r>
+              <a:rPr lang="en-US" dirty="0"/>
+              <a:t>We found that with more legislation to prevent opioid abuse, there is actually more deaths in areas which have passed legislation.</a:t>
+            </a:r>
+          </a:p>
+          <a:p>
+            <a:r>
+              <a:rPr lang="en-US" dirty="0"/>
+              <a:t>We found that regardless of socio-economic factors, opioid related deaths are equal amongst race and education.</a:t>
+            </a:r>
+          </a:p>
+          <a:p>
+            <a:endParaRPr lang="en-US" dirty="0"/>
+          </a:p>
+        </p:txBody>
+      </p:sp>
+    </p:spTree>
+    <p:extLst>
+      <p:ext uri="{BB962C8B-B14F-4D97-AF65-F5344CB8AC3E}">
+        <p14:creationId xmlns:p14="http://schemas.microsoft.com/office/powerpoint/2010/main" val="2516501459"/>
+      </p:ext>
+    </p:extLst>
+  </p:cSld>
+  <p:clrMapOvr>
+    <a:masterClrMapping/>
+  </p:clrMapOvr>
+</p:sld>
+</file>
+
+<file path=ppt/slides/slide6.xml><?xml version="1.0" encoding="utf-8"?>
+<p:sld xmlns:a="http://schemas.openxmlformats.org/drawingml/2006/main" xmlns:r="http://schemas.openxmlformats.org/officeDocument/2006/relationships" xmlns:p="http://schemas.openxmlformats.org/presentationml/2006/main">
+  <p:cSld>
+    <p:spTree>
+      <p:nvGrpSpPr>
+        <p:cNvPr id="1" name=""/>
+        <p:cNvGrpSpPr/>
+        <p:nvPr/>
+      </p:nvGrpSpPr>
+      <p:grpSpPr>
+        <a:xfrm>
+          <a:off x="0" y="0"/>
+          <a:ext cx="0" cy="0"/>
+          <a:chOff x="0" y="0"/>
+          <a:chExt cx="0" cy="0"/>
+        </a:xfrm>
+      </p:grpSpPr>
+      <p:sp>
+        <p:nvSpPr>
+          <p:cNvPr id="2" name="Title 1">
+            <a:extLst>
+              <a:ext uri="{FF2B5EF4-FFF2-40B4-BE49-F238E27FC236}">
+                <a16:creationId xmlns:a16="http://schemas.microsoft.com/office/drawing/2014/main" id="{CE7E7548-E872-43E9-91A1-0F7BC7AF6FD7}"/>
+              </a:ext>
+            </a:extLst>
+          </p:cNvPr>
+          <p:cNvSpPr>
+            <a:spLocks noGrp="1"/>
+          </p:cNvSpPr>
+          <p:nvPr>
+            <p:ph type="title"/>
+          </p:nvPr>
+        </p:nvSpPr>
+        <p:spPr/>
+        <p:txBody>
+          <a:bodyPr/>
+          <a:lstStyle/>
+          <a:p>
+            <a:r>
+              <a:rPr lang="en-US" dirty="0"/>
+              <a:t>Data Sources</a:t>
+            </a:r>
+          </a:p>
+        </p:txBody>
+      </p:sp>
+      <p:sp>
+        <p:nvSpPr>
+          <p:cNvPr id="3" name="Content Placeholder 2">
+            <a:extLst>
+              <a:ext uri="{FF2B5EF4-FFF2-40B4-BE49-F238E27FC236}">
+                <a16:creationId xmlns:a16="http://schemas.microsoft.com/office/drawing/2014/main" id="{2BA5414C-874B-46F7-8E3B-A073D837413B}"/>
+              </a:ext>
+            </a:extLst>
+          </p:cNvPr>
+          <p:cNvSpPr>
+            <a:spLocks noGrp="1"/>
+          </p:cNvSpPr>
+          <p:nvPr>
+            <p:ph idx="1"/>
+          </p:nvPr>
+        </p:nvSpPr>
+        <p:spPr/>
+        <p:txBody>
+          <a:bodyPr/>
+          <a:lstStyle/>
+          <a:p>
+            <a:r>
+              <a:rPr lang="en-US" dirty="0"/>
+              <a:t>US Census</a:t>
+            </a:r>
+          </a:p>
+          <a:p>
+            <a:r>
+              <a:rPr lang="en-US" dirty="0"/>
+              <a:t>Center for Disease Control (CDC)</a:t>
+            </a:r>
+          </a:p>
+          <a:p>
+            <a:r>
+              <a:rPr lang="en-US" dirty="0"/>
+              <a:t>ProPublica</a:t>
+            </a:r>
+          </a:p>
+          <a:p>
+            <a:endParaRPr lang="en-US" dirty="0"/>
+          </a:p>
+        </p:txBody>
+      </p:sp>
+    </p:spTree>
+    <p:extLst>
+      <p:ext uri="{BB962C8B-B14F-4D97-AF65-F5344CB8AC3E}">
+        <p14:creationId xmlns:p14="http://schemas.microsoft.com/office/powerpoint/2010/main" val="1207701012"/>
+      </p:ext>
+    </p:extLst>
+  </p:cSld>
+  <p:clrMapOvr>
+    <a:masterClrMapping/>
+  </p:clrMapOvr>
+</p:sld>
+</file>
+
+<file path=ppt/slides/slide7.xml><?xml version="1.0" encoding="utf-8"?>
+<p:sld xmlns:a="http://schemas.openxmlformats.org/drawingml/2006/main" xmlns:r="http://schemas.openxmlformats.org/officeDocument/2006/relationships" xmlns:p="http://schemas.openxmlformats.org/presentationml/2006/main">
+  <p:cSld>
+    <p:spTree>
+      <p:nvGrpSpPr>
+        <p:cNvPr id="1" name=""/>
+        <p:cNvGrpSpPr/>
+        <p:nvPr/>
+      </p:nvGrpSpPr>
+      <p:grpSpPr>
+        <a:xfrm>
+          <a:off x="0" y="0"/>
+          <a:ext cx="0" cy="0"/>
+          <a:chOff x="0" y="0"/>
+          <a:chExt cx="0" cy="0"/>
+        </a:xfrm>
+      </p:grpSpPr>
+      <p:sp>
+        <p:nvSpPr>
+          <p:cNvPr id="2" name="Title 1">
+            <a:extLst>
+              <a:ext uri="{FF2B5EF4-FFF2-40B4-BE49-F238E27FC236}">
+                <a16:creationId xmlns:a16="http://schemas.microsoft.com/office/drawing/2014/main" id="{D2B4DFBC-594A-46FA-BC26-9F50F2F75896}"/>
+              </a:ext>
+            </a:extLst>
+          </p:cNvPr>
+          <p:cNvSpPr>
+            <a:spLocks noGrp="1"/>
+          </p:cNvSpPr>
+          <p:nvPr>
+            <p:ph type="title"/>
+          </p:nvPr>
+        </p:nvSpPr>
+        <p:spPr/>
+        <p:txBody>
+          <a:bodyPr/>
+          <a:lstStyle/>
+          <a:p>
+            <a:r>
+              <a:rPr lang="en-US" dirty="0"/>
+              <a:t>Data Issues</a:t>
+            </a:r>
+          </a:p>
+        </p:txBody>
+      </p:sp>
+      <p:sp>
+        <p:nvSpPr>
+          <p:cNvPr id="3" name="Content Placeholder 2">
+            <a:extLst>
+              <a:ext uri="{FF2B5EF4-FFF2-40B4-BE49-F238E27FC236}">
+                <a16:creationId xmlns:a16="http://schemas.microsoft.com/office/drawing/2014/main" id="{9A226D31-473B-4451-8951-310506A87166}"/>
+              </a:ext>
+            </a:extLst>
+          </p:cNvPr>
+          <p:cNvSpPr>
+            <a:spLocks noGrp="1"/>
+          </p:cNvSpPr>
+          <p:nvPr>
+            <p:ph idx="1"/>
+          </p:nvPr>
+        </p:nvSpPr>
+        <p:spPr/>
+        <p:txBody>
+          <a:bodyPr/>
+          <a:lstStyle/>
+          <a:p>
+            <a:r>
+              <a:rPr lang="en-US" dirty="0"/>
+              <a:t>Data Cleaning was amongst the most difficult and tedious part of this project.</a:t>
+            </a:r>
+          </a:p>
+          <a:p>
+            <a:r>
+              <a:rPr lang="en-US" dirty="0"/>
+              <a:t>Data Ignore on Git Hub was another issue we ran into. We had various large data sets that we tried to push to GitHub that were difficult to figure out.</a:t>
+            </a:r>
+          </a:p>
+          <a:p>
+            <a:r>
+              <a:rPr lang="en-US" dirty="0"/>
+              <a:t>We had some problems running functions on different data types (numeric, objects, </a:t>
+            </a:r>
+            <a:r>
+              <a:rPr lang="en-US" dirty="0" err="1"/>
+              <a:t>etc</a:t>
+            </a:r>
+            <a:r>
+              <a:rPr lang="en-US" dirty="0"/>
+              <a:t>). </a:t>
+            </a:r>
+          </a:p>
+          <a:p>
+            <a:r>
+              <a:rPr lang="en-US" dirty="0"/>
+              <a:t>Discuss other problems that arose</a:t>
+            </a:r>
+          </a:p>
+          <a:p>
+            <a:endParaRPr lang="en-US" dirty="0"/>
+          </a:p>
+        </p:txBody>
+      </p:sp>
+    </p:spTree>
+    <p:extLst>
+      <p:ext uri="{BB962C8B-B14F-4D97-AF65-F5344CB8AC3E}">
+        <p14:creationId xmlns:p14="http://schemas.microsoft.com/office/powerpoint/2010/main" val="1711547867"/>
+      </p:ext>
+    </p:extLst>
+  </p:cSld>
+  <p:clrMapOvr>
+    <a:masterClrMapping/>
+  </p:clrMapOvr>
+</p:sld>
+</file>
+
+<file path=ppt/slides/slide8.xml><?xml version="1.0" encoding="utf-8"?>
+<p:sld xmlns:a="http://schemas.openxmlformats.org/drawingml/2006/main" xmlns:r="http://schemas.openxmlformats.org/officeDocument/2006/relationships" xmlns:p="http://schemas.openxmlformats.org/presentationml/2006/main">
+  <p:cSld>
+    <p:spTree>
+      <p:nvGrpSpPr>
+        <p:cNvPr id="1" name=""/>
+        <p:cNvGrpSpPr/>
+        <p:nvPr/>
+      </p:nvGrpSpPr>
+      <p:grpSpPr>
+        <a:xfrm>
+          <a:off x="0" y="0"/>
+          <a:ext cx="0" cy="0"/>
+          <a:chOff x="0" y="0"/>
+          <a:chExt cx="0" cy="0"/>
+        </a:xfrm>
+      </p:grpSpPr>
+      <p:sp>
+        <p:nvSpPr>
+          <p:cNvPr id="2" name="Title 1">
+            <a:extLst>
+              <a:ext uri="{FF2B5EF4-FFF2-40B4-BE49-F238E27FC236}">
+                <a16:creationId xmlns:a16="http://schemas.microsoft.com/office/drawing/2014/main" id="{09FF4FB1-04CE-4F56-AADE-C8E03C17A6B7}"/>
+              </a:ext>
+            </a:extLst>
+          </p:cNvPr>
+          <p:cNvSpPr>
+            <a:spLocks noGrp="1"/>
+          </p:cNvSpPr>
+          <p:nvPr>
+            <p:ph type="title"/>
+          </p:nvPr>
+        </p:nvSpPr>
+        <p:spPr/>
+        <p:txBody>
+          <a:bodyPr/>
+          <a:lstStyle/>
+          <a:p>
+            <a:r>
+              <a:rPr lang="en-US" dirty="0"/>
+              <a:t>Opioid Legislation</a:t>
+            </a:r>
+          </a:p>
+        </p:txBody>
+      </p:sp>
+      <p:sp>
+        <p:nvSpPr>
+          <p:cNvPr id="3" name="Content Placeholder 2">
+            <a:extLst>
+              <a:ext uri="{FF2B5EF4-FFF2-40B4-BE49-F238E27FC236}">
+                <a16:creationId xmlns:a16="http://schemas.microsoft.com/office/drawing/2014/main" id="{F718A5ED-BDEC-49FB-8873-DCE6C6F2C588}"/>
+              </a:ext>
+            </a:extLst>
+          </p:cNvPr>
+          <p:cNvSpPr>
+            <a:spLocks noGrp="1"/>
+          </p:cNvSpPr>
+          <p:nvPr>
+            <p:ph idx="1"/>
+          </p:nvPr>
+        </p:nvSpPr>
+        <p:spPr/>
+        <p:txBody>
+          <a:bodyPr/>
+          <a:lstStyle/>
+          <a:p>
+            <a:r>
+              <a:rPr lang="en-US" dirty="0"/>
+              <a:t>Brief intro</a:t>
+            </a:r>
+          </a:p>
+          <a:p>
+            <a:r>
+              <a:rPr lang="en-US" dirty="0" err="1"/>
+              <a:t>Jupyter</a:t>
+            </a:r>
+            <a:endParaRPr lang="en-US" dirty="0"/>
+          </a:p>
+          <a:p>
+            <a:r>
+              <a:rPr lang="en-US" dirty="0"/>
+              <a:t>Graph</a:t>
+            </a:r>
+          </a:p>
+        </p:txBody>
+      </p:sp>
+    </p:spTree>
+    <p:extLst>
+      <p:ext uri="{BB962C8B-B14F-4D97-AF65-F5344CB8AC3E}">
+        <p14:creationId xmlns:p14="http://schemas.microsoft.com/office/powerpoint/2010/main" val="1913813412"/>
+      </p:ext>
+    </p:extLst>
+  </p:cSld>
+  <p:clrMapOvr>
+    <a:masterClrMapping/>
+  </p:clrMapOvr>
+</p:sld>
+</file>
+
+<file path=ppt/slides/slide9.xml><?xml version="1.0" encoding="utf-8"?>
+<p:sld xmlns:a="http://schemas.openxmlformats.org/drawingml/2006/main" xmlns:r="http://schemas.openxmlformats.org/officeDocument/2006/relationships" xmlns:p="http://schemas.openxmlformats.org/presentationml/2006/main">
+  <p:cSld>
+    <p:spTree>
+      <p:nvGrpSpPr>
+        <p:cNvPr id="1" name=""/>
+        <p:cNvGrpSpPr/>
+        <p:nvPr/>
+      </p:nvGrpSpPr>
+      <p:grpSpPr>
+        <a:xfrm>
+          <a:off x="0" y="0"/>
+          <a:ext cx="0" cy="0"/>
+          <a:chOff x="0" y="0"/>
+          <a:chExt cx="0" cy="0"/>
+        </a:xfrm>
+      </p:grpSpPr>
+      <p:sp>
+        <p:nvSpPr>
+          <p:cNvPr id="2" name="Title 1">
+            <a:extLst>
+              <a:ext uri="{FF2B5EF4-FFF2-40B4-BE49-F238E27FC236}">
+                <a16:creationId xmlns:a16="http://schemas.microsoft.com/office/drawing/2014/main" id="{08BC5DC5-E60E-41DC-BA9A-E48A9CC70D82}"/>
+              </a:ext>
+            </a:extLst>
+          </p:cNvPr>
+          <p:cNvSpPr>
+            <a:spLocks noGrp="1"/>
+          </p:cNvSpPr>
+          <p:nvPr>
+            <p:ph type="title"/>
+          </p:nvPr>
+        </p:nvSpPr>
+        <p:spPr/>
+        <p:txBody>
+          <a:bodyPr/>
+          <a:lstStyle/>
+          <a:p>
+            <a:r>
+              <a:rPr lang="en-US" dirty="0"/>
+              <a:t>Opioids and Education</a:t>
+            </a:r>
+          </a:p>
+        </p:txBody>
+      </p:sp>
+      <p:sp>
+        <p:nvSpPr>
+          <p:cNvPr id="3" name="Content Placeholder 2">
+            <a:extLst>
+              <a:ext uri="{FF2B5EF4-FFF2-40B4-BE49-F238E27FC236}">
+                <a16:creationId xmlns:a16="http://schemas.microsoft.com/office/drawing/2014/main" id="{CEFDBFE3-835F-4B7B-AAF0-E78E68FFB9E1}"/>
+              </a:ext>
+            </a:extLst>
+          </p:cNvPr>
+          <p:cNvSpPr>
+            <a:spLocks noGrp="1"/>
+          </p:cNvSpPr>
+          <p:nvPr>
+            <p:ph idx="1"/>
+          </p:nvPr>
+        </p:nvSpPr>
+        <p:spPr/>
+        <p:txBody>
+          <a:bodyPr/>
+          <a:lstStyle/>
+          <a:p>
+            <a:r>
+              <a:rPr lang="en-US" dirty="0"/>
+              <a:t>Brief intro</a:t>
+            </a:r>
+          </a:p>
+          <a:p>
+            <a:r>
+              <a:rPr lang="en-US" dirty="0" err="1"/>
+              <a:t>Jupyter</a:t>
+            </a:r>
+            <a:endParaRPr lang="en-US" dirty="0"/>
+          </a:p>
+          <a:p>
+            <a:r>
+              <a:rPr lang="en-US" dirty="0"/>
+              <a:t>Graph</a:t>
+            </a:r>
+          </a:p>
+        </p:txBody>
+      </p:sp>
+    </p:spTree>
+    <p:extLst>
+      <p:ext uri="{BB962C8B-B14F-4D97-AF65-F5344CB8AC3E}">
+        <p14:creationId xmlns:p14="http://schemas.microsoft.com/office/powerpoint/2010/main" val="1860447178"/>
       </p:ext>
     </p:extLst>
   </p:cSld>

--- a/Opioid_Crisis.pptx
+++ b/Opioid_Crisis.pptx
@@ -13,10 +13,16 @@
     <p:sldId id="260" r:id="rId7"/>
     <p:sldId id="262" r:id="rId8"/>
     <p:sldId id="263" r:id="rId9"/>
-    <p:sldId id="264" r:id="rId10"/>
-    <p:sldId id="265" r:id="rId11"/>
-    <p:sldId id="266" r:id="rId12"/>
-    <p:sldId id="267" r:id="rId13"/>
+    <p:sldId id="272" r:id="rId10"/>
+    <p:sldId id="264" r:id="rId11"/>
+    <p:sldId id="265" r:id="rId12"/>
+    <p:sldId id="266" r:id="rId13"/>
+    <p:sldId id="273" r:id="rId14"/>
+    <p:sldId id="267" r:id="rId15"/>
+    <p:sldId id="269" r:id="rId16"/>
+    <p:sldId id="268" r:id="rId17"/>
+    <p:sldId id="270" r:id="rId18"/>
+    <p:sldId id="271" r:id="rId19"/>
   </p:sldIdLst>
   <p:sldSz cx="12192000" cy="6858000"/>
   <p:notesSz cx="6858000" cy="9144000"/>
@@ -7244,7 +7250,7 @@
           <p:cNvPr id="2" name="Title 1">
             <a:extLst>
               <a:ext uri="{FF2B5EF4-FFF2-40B4-BE49-F238E27FC236}">
-                <a16:creationId xmlns:a16="http://schemas.microsoft.com/office/drawing/2014/main" id="{644A550B-6B84-4E1B-BCE0-15C0BACDE904}"/>
+                <a16:creationId xmlns:a16="http://schemas.microsoft.com/office/drawing/2014/main" id="{08BC5DC5-E60E-41DC-BA9A-E48A9CC70D82}"/>
               </a:ext>
             </a:extLst>
           </p:cNvPr>
@@ -7262,7 +7268,7 @@
           <a:p>
             <a:r>
               <a:rPr lang="en-US" dirty="0"/>
-              <a:t>Opioids and Unemployment</a:t>
+              <a:t>Opioids and Education</a:t>
             </a:r>
           </a:p>
         </p:txBody>
@@ -7272,7 +7278,7 @@
           <p:cNvPr id="3" name="Content Placeholder 2">
             <a:extLst>
               <a:ext uri="{FF2B5EF4-FFF2-40B4-BE49-F238E27FC236}">
-                <a16:creationId xmlns:a16="http://schemas.microsoft.com/office/drawing/2014/main" id="{71C0A020-E567-4A8A-BC21-B90FCC0D52FD}"/>
+                <a16:creationId xmlns:a16="http://schemas.microsoft.com/office/drawing/2014/main" id="{CEFDBFE3-835F-4B7B-AAF0-E78E68FFB9E1}"/>
               </a:ext>
             </a:extLst>
           </p:cNvPr>
@@ -7298,7 +7304,10 @@
               <a:rPr lang="en-US" dirty="0" err="1"/>
               <a:t>Jupyter</a:t>
             </a:r>
-            <a:endParaRPr lang="en-US" dirty="0"/>
+            <a:r>
+              <a:rPr lang="en-US" dirty="0"/>
+              <a:t>: how the data was cleaned and manipulated</a:t>
+            </a:r>
           </a:p>
           <a:p>
             <a:r>
@@ -7311,7 +7320,7 @@
     </p:spTree>
     <p:extLst>
       <p:ext uri="{BB962C8B-B14F-4D97-AF65-F5344CB8AC3E}">
-        <p14:creationId xmlns:p14="http://schemas.microsoft.com/office/powerpoint/2010/main" val="3120752066"/>
+        <p14:creationId xmlns:p14="http://schemas.microsoft.com/office/powerpoint/2010/main" val="1860447178"/>
       </p:ext>
     </p:extLst>
   </p:cSld>
@@ -7343,7 +7352,7 @@
           <p:cNvPr id="2" name="Title 1">
             <a:extLst>
               <a:ext uri="{FF2B5EF4-FFF2-40B4-BE49-F238E27FC236}">
-                <a16:creationId xmlns:a16="http://schemas.microsoft.com/office/drawing/2014/main" id="{79F0C740-CC1B-4BE6-BAFF-6B47237617CE}"/>
+                <a16:creationId xmlns:a16="http://schemas.microsoft.com/office/drawing/2014/main" id="{644A550B-6B84-4E1B-BCE0-15C0BACDE904}"/>
               </a:ext>
             </a:extLst>
           </p:cNvPr>
@@ -7361,7 +7370,7 @@
           <a:p>
             <a:r>
               <a:rPr lang="en-US" dirty="0"/>
-              <a:t>Opioids and Bipartisanship</a:t>
+              <a:t>Opioids and Unemployment</a:t>
             </a:r>
           </a:p>
         </p:txBody>
@@ -7371,7 +7380,7 @@
           <p:cNvPr id="3" name="Content Placeholder 2">
             <a:extLst>
               <a:ext uri="{FF2B5EF4-FFF2-40B4-BE49-F238E27FC236}">
-                <a16:creationId xmlns:a16="http://schemas.microsoft.com/office/drawing/2014/main" id="{EDD30BC1-4EFF-4447-9CC5-40B346E8F8AB}"/>
+                <a16:creationId xmlns:a16="http://schemas.microsoft.com/office/drawing/2014/main" id="{71C0A020-E567-4A8A-BC21-B90FCC0D52FD}"/>
               </a:ext>
             </a:extLst>
           </p:cNvPr>
@@ -7397,7 +7406,10 @@
               <a:rPr lang="en-US" dirty="0" err="1"/>
               <a:t>Jupyter</a:t>
             </a:r>
-            <a:endParaRPr lang="en-US" dirty="0"/>
+            <a:r>
+              <a:rPr lang="en-US" dirty="0"/>
+              <a:t>: how the data was cleaned and manipulated</a:t>
+            </a:r>
           </a:p>
           <a:p>
             <a:r>
@@ -7410,7 +7422,7 @@
     </p:spTree>
     <p:extLst>
       <p:ext uri="{BB962C8B-B14F-4D97-AF65-F5344CB8AC3E}">
-        <p14:creationId xmlns:p14="http://schemas.microsoft.com/office/powerpoint/2010/main" val="2417882376"/>
+        <p14:creationId xmlns:p14="http://schemas.microsoft.com/office/powerpoint/2010/main" val="3120752066"/>
       </p:ext>
     </p:extLst>
   </p:cSld>
@@ -7442,6 +7454,624 @@
           <p:cNvPr id="2" name="Title 1">
             <a:extLst>
               <a:ext uri="{FF2B5EF4-FFF2-40B4-BE49-F238E27FC236}">
+                <a16:creationId xmlns:a16="http://schemas.microsoft.com/office/drawing/2014/main" id="{79F0C740-CC1B-4BE6-BAFF-6B47237617CE}"/>
+              </a:ext>
+            </a:extLst>
+          </p:cNvPr>
+          <p:cNvSpPr>
+            <a:spLocks noGrp="1"/>
+          </p:cNvSpPr>
+          <p:nvPr>
+            <p:ph type="title"/>
+          </p:nvPr>
+        </p:nvSpPr>
+        <p:spPr/>
+        <p:txBody>
+          <a:bodyPr/>
+          <a:lstStyle/>
+          <a:p>
+            <a:r>
+              <a:rPr lang="en-US" dirty="0"/>
+              <a:t>Opioids and Bipartisanship</a:t>
+            </a:r>
+          </a:p>
+        </p:txBody>
+      </p:sp>
+      <p:sp>
+        <p:nvSpPr>
+          <p:cNvPr id="3" name="Content Placeholder 2">
+            <a:extLst>
+              <a:ext uri="{FF2B5EF4-FFF2-40B4-BE49-F238E27FC236}">
+                <a16:creationId xmlns:a16="http://schemas.microsoft.com/office/drawing/2014/main" id="{EDD30BC1-4EFF-4447-9CC5-40B346E8F8AB}"/>
+              </a:ext>
+            </a:extLst>
+          </p:cNvPr>
+          <p:cNvSpPr>
+            <a:spLocks noGrp="1"/>
+          </p:cNvSpPr>
+          <p:nvPr>
+            <p:ph idx="1"/>
+          </p:nvPr>
+        </p:nvSpPr>
+        <p:spPr/>
+        <p:txBody>
+          <a:bodyPr/>
+          <a:lstStyle/>
+          <a:p>
+            <a:r>
+              <a:rPr lang="en-US" dirty="0"/>
+              <a:t>Brief intro</a:t>
+            </a:r>
+          </a:p>
+          <a:p>
+            <a:r>
+              <a:rPr lang="en-US" dirty="0" err="1"/>
+              <a:t>Jupyter</a:t>
+            </a:r>
+            <a:r>
+              <a:rPr lang="en-US" dirty="0"/>
+              <a:t>: how the data was cleaned and manipulated</a:t>
+            </a:r>
+          </a:p>
+          <a:p>
+            <a:r>
+              <a:rPr lang="en-US" dirty="0"/>
+              <a:t>Graph</a:t>
+            </a:r>
+          </a:p>
+        </p:txBody>
+      </p:sp>
+    </p:spTree>
+    <p:extLst>
+      <p:ext uri="{BB962C8B-B14F-4D97-AF65-F5344CB8AC3E}">
+        <p14:creationId xmlns:p14="http://schemas.microsoft.com/office/powerpoint/2010/main" val="2417882376"/>
+      </p:ext>
+    </p:extLst>
+  </p:cSld>
+  <p:clrMapOvr>
+    <a:masterClrMapping/>
+  </p:clrMapOvr>
+</p:sld>
+</file>
+
+<file path=ppt/slides/slide13.xml><?xml version="1.0" encoding="utf-8"?>
+<p:sld xmlns:a="http://schemas.openxmlformats.org/drawingml/2006/main" xmlns:r="http://schemas.openxmlformats.org/officeDocument/2006/relationships" xmlns:p="http://schemas.openxmlformats.org/presentationml/2006/main">
+  <p:cSld>
+    <p:bg>
+      <p:bgPr>
+        <a:blipFill rotWithShape="1">
+          <a:blip r:embed="rId2">
+            <a:duotone>
+              <a:schemeClr val="bg2">
+                <a:shade val="69000"/>
+                <a:hueMod val="108000"/>
+                <a:satMod val="164000"/>
+                <a:lumMod val="74000"/>
+              </a:schemeClr>
+              <a:schemeClr val="bg2">
+                <a:tint val="96000"/>
+                <a:hueMod val="88000"/>
+                <a:satMod val="140000"/>
+                <a:lumMod val="132000"/>
+              </a:schemeClr>
+            </a:duotone>
+            <a:extLst/>
+          </a:blip>
+          <a:stretch/>
+        </a:blipFill>
+        <a:effectLst/>
+      </p:bgPr>
+    </p:bg>
+    <p:spTree>
+      <p:nvGrpSpPr>
+        <p:cNvPr id="1" name=""/>
+        <p:cNvGrpSpPr/>
+        <p:nvPr/>
+      </p:nvGrpSpPr>
+      <p:grpSpPr>
+        <a:xfrm>
+          <a:off x="0" y="0"/>
+          <a:ext cx="0" cy="0"/>
+          <a:chOff x="0" y="0"/>
+          <a:chExt cx="0" cy="0"/>
+        </a:xfrm>
+      </p:grpSpPr>
+      <p:pic>
+        <p:nvPicPr>
+          <p:cNvPr id="10" name="Picture 9">
+            <a:extLst>
+              <a:ext uri="{FF2B5EF4-FFF2-40B4-BE49-F238E27FC236}">
+                <a16:creationId xmlns:a16="http://schemas.microsoft.com/office/drawing/2014/main" id="{C9ECDD5C-152A-4CC7-8333-0F367B3A62EA}"/>
+              </a:ext>
+              <a:ext uri="{C183D7F6-B498-43B3-948B-1728B52AA6E4}">
+                <adec:decorative xmlns:adec="http://schemas.microsoft.com/office/drawing/2017/decorative" val="1"/>
+              </a:ext>
+            </a:extLst>
+          </p:cNvPr>
+          <p:cNvPicPr>
+            <a:picLocks noGrp="1" noRot="1" noChangeAspect="1" noMove="1" noResize="1" noEditPoints="1" noAdjustHandles="1" noChangeArrowheads="1" noChangeShapeType="1" noCrop="1"/>
+          </p:cNvPicPr>
+          <p:nvPr>
+            <p:extLst>
+              <p:ext uri="{386F3935-93C4-4BCD-93E2-E3B085C9AB24}">
+                <p16:designElem xmlns:p16="http://schemas.microsoft.com/office/powerpoint/2015/main" val="1"/>
+              </p:ext>
+            </p:extLst>
+          </p:nvPr>
+        </p:nvPicPr>
+        <p:blipFill rotWithShape="1">
+          <a:blip r:embed="rId3">
+            <a:extLst>
+              <a:ext uri="{28A0092B-C50C-407E-A947-70E740481C1C}">
+                <a14:useLocalDpi xmlns:a14="http://schemas.microsoft.com/office/drawing/2010/main" val="0"/>
+              </a:ext>
+            </a:extLst>
+          </a:blip>
+          <a:srcRect l="3613"/>
+          <a:stretch/>
+        </p:blipFill>
+        <p:spPr>
+          <a:xfrm>
+            <a:off x="0" y="2669685"/>
+            <a:ext cx="4037012" cy="4188315"/>
+          </a:xfrm>
+          <a:prstGeom prst="rect">
+            <a:avLst/>
+          </a:prstGeom>
+        </p:spPr>
+      </p:pic>
+      <p:pic>
+        <p:nvPicPr>
+          <p:cNvPr id="12" name="Picture 11">
+            <a:extLst>
+              <a:ext uri="{FF2B5EF4-FFF2-40B4-BE49-F238E27FC236}">
+                <a16:creationId xmlns:a16="http://schemas.microsoft.com/office/drawing/2014/main" id="{7F5C92A3-369B-43F3-BDCE-E560B1B0EC89}"/>
+              </a:ext>
+              <a:ext uri="{C183D7F6-B498-43B3-948B-1728B52AA6E4}">
+                <adec:decorative xmlns:adec="http://schemas.microsoft.com/office/drawing/2017/decorative" val="1"/>
+              </a:ext>
+            </a:extLst>
+          </p:cNvPr>
+          <p:cNvPicPr>
+            <a:picLocks noGrp="1" noRot="1" noChangeAspect="1" noMove="1" noResize="1" noEditPoints="1" noAdjustHandles="1" noChangeArrowheads="1" noChangeShapeType="1" noCrop="1"/>
+          </p:cNvPicPr>
+          <p:nvPr>
+            <p:extLst>
+              <p:ext uri="{386F3935-93C4-4BCD-93E2-E3B085C9AB24}">
+                <p16:designElem xmlns:p16="http://schemas.microsoft.com/office/powerpoint/2015/main" val="1"/>
+              </p:ext>
+            </p:extLst>
+          </p:nvPr>
+        </p:nvPicPr>
+        <p:blipFill rotWithShape="1">
+          <a:blip r:embed="rId4">
+            <a:extLst>
+              <a:ext uri="{28A0092B-C50C-407E-A947-70E740481C1C}">
+                <a14:useLocalDpi xmlns:a14="http://schemas.microsoft.com/office/drawing/2010/main" val="0"/>
+              </a:ext>
+            </a:extLst>
+          </a:blip>
+          <a:srcRect l="35640"/>
+          <a:stretch/>
+        </p:blipFill>
+        <p:spPr>
+          <a:xfrm>
+            <a:off x="0" y="2892347"/>
+            <a:ext cx="1522412" cy="2365453"/>
+          </a:xfrm>
+          <a:prstGeom prst="rect">
+            <a:avLst/>
+          </a:prstGeom>
+        </p:spPr>
+      </p:pic>
+      <p:sp>
+        <p:nvSpPr>
+          <p:cNvPr id="14" name="Oval 13">
+            <a:extLst>
+              <a:ext uri="{FF2B5EF4-FFF2-40B4-BE49-F238E27FC236}">
+                <a16:creationId xmlns:a16="http://schemas.microsoft.com/office/drawing/2014/main" id="{AEBE9F1A-B38D-446E-83AE-14B17CE77FF2}"/>
+              </a:ext>
+              <a:ext uri="{C183D7F6-B498-43B3-948B-1728B52AA6E4}">
+                <adec:decorative xmlns:adec="http://schemas.microsoft.com/office/drawing/2017/decorative" val="1"/>
+              </a:ext>
+            </a:extLst>
+          </p:cNvPr>
+          <p:cNvSpPr>
+            <a:spLocks noGrp="1" noRot="1" noChangeAspect="1" noMove="1" noResize="1" noEditPoints="1" noAdjustHandles="1" noChangeArrowheads="1" noChangeShapeType="1" noTextEdit="1"/>
+          </p:cNvSpPr>
+          <p:nvPr>
+            <p:extLst>
+              <p:ext uri="{386F3935-93C4-4BCD-93E2-E3B085C9AB24}">
+                <p16:designElem xmlns:p16="http://schemas.microsoft.com/office/powerpoint/2015/main" val="1"/>
+              </p:ext>
+            </p:extLst>
+          </p:nvPr>
+        </p:nvSpPr>
+        <p:spPr>
+          <a:xfrm>
+            <a:off x="8609012" y="1676400"/>
+            <a:ext cx="2819400" cy="2819400"/>
+          </a:xfrm>
+          <a:prstGeom prst="ellipse">
+            <a:avLst/>
+          </a:prstGeom>
+          <a:gradFill flip="none" rotWithShape="1">
+            <a:gsLst>
+              <a:gs pos="0">
+                <a:schemeClr val="bg2">
+                  <a:lumMod val="60000"/>
+                  <a:lumOff val="40000"/>
+                  <a:alpha val="7000"/>
+                </a:schemeClr>
+              </a:gs>
+              <a:gs pos="69000">
+                <a:schemeClr val="bg2">
+                  <a:lumMod val="60000"/>
+                  <a:lumOff val="40000"/>
+                  <a:alpha val="0"/>
+                </a:schemeClr>
+              </a:gs>
+              <a:gs pos="36000">
+                <a:schemeClr val="bg2">
+                  <a:lumMod val="60000"/>
+                  <a:lumOff val="40000"/>
+                  <a:alpha val="6000"/>
+                </a:schemeClr>
+              </a:gs>
+            </a:gsLst>
+            <a:path path="circle">
+              <a:fillToRect l="50000" t="50000" r="50000" b="50000"/>
+            </a:path>
+            <a:tileRect/>
+          </a:gradFill>
+          <a:ln>
+            <a:noFill/>
+          </a:ln>
+          <a:effectLst/>
+        </p:spPr>
+        <p:style>
+          <a:lnRef idx="1">
+            <a:schemeClr val="accent1"/>
+          </a:lnRef>
+          <a:fillRef idx="3">
+            <a:schemeClr val="accent1"/>
+          </a:fillRef>
+          <a:effectRef idx="2">
+            <a:schemeClr val="accent1"/>
+          </a:effectRef>
+          <a:fontRef idx="minor">
+            <a:schemeClr val="lt1"/>
+          </a:fontRef>
+        </p:style>
+      </p:sp>
+      <p:pic>
+        <p:nvPicPr>
+          <p:cNvPr id="16" name="Picture 15">
+            <a:extLst>
+              <a:ext uri="{FF2B5EF4-FFF2-40B4-BE49-F238E27FC236}">
+                <a16:creationId xmlns:a16="http://schemas.microsoft.com/office/drawing/2014/main" id="{915B5014-A7EC-4BA6-9C83-8840CF81DB28}"/>
+              </a:ext>
+              <a:ext uri="{C183D7F6-B498-43B3-948B-1728B52AA6E4}">
+                <adec:decorative xmlns:adec="http://schemas.microsoft.com/office/drawing/2017/decorative" val="1"/>
+              </a:ext>
+            </a:extLst>
+          </p:cNvPr>
+          <p:cNvPicPr>
+            <a:picLocks noGrp="1" noRot="1" noChangeAspect="1" noMove="1" noResize="1" noEditPoints="1" noAdjustHandles="1" noChangeArrowheads="1" noChangeShapeType="1" noCrop="1"/>
+          </p:cNvPicPr>
+          <p:nvPr>
+            <p:extLst>
+              <p:ext uri="{386F3935-93C4-4BCD-93E2-E3B085C9AB24}">
+                <p16:designElem xmlns:p16="http://schemas.microsoft.com/office/powerpoint/2015/main" val="1"/>
+              </p:ext>
+            </p:extLst>
+          </p:nvPr>
+        </p:nvPicPr>
+        <p:blipFill rotWithShape="1">
+          <a:blip r:embed="rId5">
+            <a:extLst>
+              <a:ext uri="{28A0092B-C50C-407E-A947-70E740481C1C}">
+                <a14:useLocalDpi xmlns:a14="http://schemas.microsoft.com/office/drawing/2010/main" val="0"/>
+              </a:ext>
+            </a:extLst>
+          </a:blip>
+          <a:srcRect t="28813"/>
+          <a:stretch/>
+        </p:blipFill>
+        <p:spPr>
+          <a:xfrm>
+            <a:off x="7999412" y="0"/>
+            <a:ext cx="1603387" cy="1141407"/>
+          </a:xfrm>
+          <a:prstGeom prst="rect">
+            <a:avLst/>
+          </a:prstGeom>
+        </p:spPr>
+      </p:pic>
+      <p:pic>
+        <p:nvPicPr>
+          <p:cNvPr id="18" name="Picture 17">
+            <a:extLst>
+              <a:ext uri="{FF2B5EF4-FFF2-40B4-BE49-F238E27FC236}">
+                <a16:creationId xmlns:a16="http://schemas.microsoft.com/office/drawing/2014/main" id="{022C43AB-86D7-420D-8AD7-DC0A15FDD0AF}"/>
+              </a:ext>
+              <a:ext uri="{C183D7F6-B498-43B3-948B-1728B52AA6E4}">
+                <adec:decorative xmlns:adec="http://schemas.microsoft.com/office/drawing/2017/decorative" val="1"/>
+              </a:ext>
+            </a:extLst>
+          </p:cNvPr>
+          <p:cNvPicPr>
+            <a:picLocks noGrp="1" noRot="1" noChangeAspect="1" noMove="1" noResize="1" noEditPoints="1" noAdjustHandles="1" noChangeArrowheads="1" noChangeShapeType="1" noCrop="1"/>
+          </p:cNvPicPr>
+          <p:nvPr>
+            <p:extLst>
+              <p:ext uri="{386F3935-93C4-4BCD-93E2-E3B085C9AB24}">
+                <p16:designElem xmlns:p16="http://schemas.microsoft.com/office/powerpoint/2015/main" val="1"/>
+              </p:ext>
+            </p:extLst>
+          </p:nvPr>
+        </p:nvPicPr>
+        <p:blipFill rotWithShape="1">
+          <a:blip r:embed="rId6">
+            <a:extLst>
+              <a:ext uri="{28A0092B-C50C-407E-A947-70E740481C1C}">
+                <a14:useLocalDpi xmlns:a14="http://schemas.microsoft.com/office/drawing/2010/main" val="0"/>
+              </a:ext>
+            </a:extLst>
+          </a:blip>
+          <a:srcRect b="23320"/>
+          <a:stretch/>
+        </p:blipFill>
+        <p:spPr>
+          <a:xfrm>
+            <a:off x="8605878" y="6096000"/>
+            <a:ext cx="993734" cy="762000"/>
+          </a:xfrm>
+          <a:prstGeom prst="rect">
+            <a:avLst/>
+          </a:prstGeom>
+        </p:spPr>
+      </p:pic>
+      <p:sp>
+        <p:nvSpPr>
+          <p:cNvPr id="20" name="Rectangle 19">
+            <a:extLst>
+              <a:ext uri="{FF2B5EF4-FFF2-40B4-BE49-F238E27FC236}">
+                <a16:creationId xmlns:a16="http://schemas.microsoft.com/office/drawing/2014/main" id="{5E3EB826-A471-488F-9E8A-D65528A3C0CA}"/>
+              </a:ext>
+              <a:ext uri="{C183D7F6-B498-43B3-948B-1728B52AA6E4}">
+                <adec:decorative xmlns:adec="http://schemas.microsoft.com/office/drawing/2017/decorative" val="1"/>
+              </a:ext>
+            </a:extLst>
+          </p:cNvPr>
+          <p:cNvSpPr>
+            <a:spLocks noGrp="1" noRot="1" noChangeAspect="1" noMove="1" noResize="1" noEditPoints="1" noAdjustHandles="1" noChangeArrowheads="1" noChangeShapeType="1" noTextEdit="1"/>
+          </p:cNvSpPr>
+          <p:nvPr>
+            <p:extLst>
+              <p:ext uri="{386F3935-93C4-4BCD-93E2-E3B085C9AB24}">
+                <p16:designElem xmlns:p16="http://schemas.microsoft.com/office/powerpoint/2015/main" val="1"/>
+              </p:ext>
+            </p:extLst>
+          </p:nvPr>
+        </p:nvSpPr>
+        <p:spPr>
+          <a:xfrm>
+            <a:off x="10437812" y="0"/>
+            <a:ext cx="685800" cy="1143000"/>
+          </a:xfrm>
+          <a:prstGeom prst="rect">
+            <a:avLst/>
+          </a:prstGeom>
+          <a:solidFill>
+            <a:schemeClr val="accent1"/>
+          </a:solidFill>
+          <a:ln>
+            <a:noFill/>
+          </a:ln>
+        </p:spPr>
+        <p:style>
+          <a:lnRef idx="1">
+            <a:schemeClr val="accent1"/>
+          </a:lnRef>
+          <a:fillRef idx="3">
+            <a:schemeClr val="accent1"/>
+          </a:fillRef>
+          <a:effectRef idx="2">
+            <a:schemeClr val="accent1"/>
+          </a:effectRef>
+          <a:fontRef idx="minor">
+            <a:schemeClr val="lt1"/>
+          </a:fontRef>
+        </p:style>
+      </p:sp>
+      <p:sp>
+        <p:nvSpPr>
+          <p:cNvPr id="22" name="Rectangle 21">
+            <a:extLst>
+              <a:ext uri="{FF2B5EF4-FFF2-40B4-BE49-F238E27FC236}">
+                <a16:creationId xmlns:a16="http://schemas.microsoft.com/office/drawing/2014/main" id="{DFB3CEA1-88D9-42FB-88ED-1E9807FE6596}"/>
+              </a:ext>
+              <a:ext uri="{C183D7F6-B498-43B3-948B-1728B52AA6E4}">
+                <adec:decorative xmlns:adec="http://schemas.microsoft.com/office/drawing/2017/decorative" val="1"/>
+              </a:ext>
+            </a:extLst>
+          </p:cNvPr>
+          <p:cNvSpPr>
+            <a:spLocks noGrp="1" noRot="1" noChangeAspect="1" noMove="1" noResize="1" noEditPoints="1" noAdjustHandles="1" noChangeArrowheads="1" noChangeShapeType="1" noTextEdit="1"/>
+          </p:cNvSpPr>
+          <p:nvPr>
+            <p:extLst>
+              <p:ext uri="{386F3935-93C4-4BCD-93E2-E3B085C9AB24}">
+                <p16:designElem xmlns:p16="http://schemas.microsoft.com/office/powerpoint/2015/main" val="1"/>
+              </p:ext>
+            </p:extLst>
+          </p:nvPr>
+        </p:nvSpPr>
+        <p:spPr>
+          <a:xfrm>
+            <a:off x="477012" y="480060"/>
+            <a:ext cx="11237976" cy="5897880"/>
+          </a:xfrm>
+          <a:prstGeom prst="rect">
+            <a:avLst/>
+          </a:prstGeom>
+          <a:solidFill>
+            <a:srgbClr val="FFFFFF"/>
+          </a:solidFill>
+          <a:ln>
+            <a:noFill/>
+          </a:ln>
+        </p:spPr>
+        <p:style>
+          <a:lnRef idx="2">
+            <a:schemeClr val="accent1">
+              <a:shade val="50000"/>
+            </a:schemeClr>
+          </a:lnRef>
+          <a:fillRef idx="1">
+            <a:schemeClr val="accent1"/>
+          </a:fillRef>
+          <a:effectRef idx="0">
+            <a:schemeClr val="accent1"/>
+          </a:effectRef>
+          <a:fontRef idx="minor">
+            <a:schemeClr val="lt1"/>
+          </a:fontRef>
+        </p:style>
+        <p:txBody>
+          <a:bodyPr rtlCol="0" anchor="ctr"/>
+          <a:lstStyle/>
+          <a:p>
+            <a:pPr algn="ctr"/>
+            <a:endParaRPr lang="en-US" dirty="0"/>
+          </a:p>
+        </p:txBody>
+      </p:sp>
+      <p:pic>
+        <p:nvPicPr>
+          <p:cNvPr id="5" name="Picture 4">
+            <a:extLst>
+              <a:ext uri="{FF2B5EF4-FFF2-40B4-BE49-F238E27FC236}">
+                <a16:creationId xmlns:a16="http://schemas.microsoft.com/office/drawing/2014/main" id="{A23FAA59-4237-4DC7-9C91-C463EEC4DBD6}"/>
+              </a:ext>
+            </a:extLst>
+          </p:cNvPr>
+          <p:cNvPicPr>
+            <a:picLocks noChangeAspect="1"/>
+          </p:cNvPicPr>
+          <p:nvPr/>
+        </p:nvPicPr>
+        <p:blipFill>
+          <a:blip r:embed="rId7">
+            <a:extLst>
+              <a:ext uri="{28A0092B-C50C-407E-A947-70E740481C1C}">
+                <a14:useLocalDpi xmlns:a14="http://schemas.microsoft.com/office/drawing/2010/main" val="0"/>
+              </a:ext>
+            </a:extLst>
+          </a:blip>
+          <a:stretch>
+            <a:fillRect/>
+          </a:stretch>
+        </p:blipFill>
+        <p:spPr>
+          <a:xfrm>
+            <a:off x="1917700" y="643467"/>
+            <a:ext cx="8356599" cy="5571066"/>
+          </a:xfrm>
+          <a:prstGeom prst="rect">
+            <a:avLst/>
+          </a:prstGeom>
+        </p:spPr>
+      </p:pic>
+      <p:sp>
+        <p:nvSpPr>
+          <p:cNvPr id="24" name="Rectangle 23">
+            <a:extLst>
+              <a:ext uri="{FF2B5EF4-FFF2-40B4-BE49-F238E27FC236}">
+                <a16:creationId xmlns:a16="http://schemas.microsoft.com/office/drawing/2014/main" id="{9A6C928E-4252-4F33-8C34-E50A12A3170B}"/>
+              </a:ext>
+              <a:ext uri="{C183D7F6-B498-43B3-948B-1728B52AA6E4}">
+                <adec:decorative xmlns:adec="http://schemas.microsoft.com/office/drawing/2017/decorative" val="1"/>
+              </a:ext>
+            </a:extLst>
+          </p:cNvPr>
+          <p:cNvSpPr>
+            <a:spLocks noGrp="1" noRot="1" noChangeAspect="1" noMove="1" noResize="1" noEditPoints="1" noAdjustHandles="1" noChangeArrowheads="1" noChangeShapeType="1" noTextEdit="1"/>
+          </p:cNvSpPr>
+          <p:nvPr>
+            <p:extLst>
+              <p:ext uri="{386F3935-93C4-4BCD-93E2-E3B085C9AB24}">
+                <p16:designElem xmlns:p16="http://schemas.microsoft.com/office/powerpoint/2015/main" val="1"/>
+              </p:ext>
+            </p:extLst>
+          </p:nvPr>
+        </p:nvSpPr>
+        <p:spPr>
+          <a:xfrm>
+            <a:off x="10437812" y="0"/>
+            <a:ext cx="685800" cy="1143000"/>
+          </a:xfrm>
+          <a:prstGeom prst="rect">
+            <a:avLst/>
+          </a:prstGeom>
+          <a:solidFill>
+            <a:schemeClr val="accent1"/>
+          </a:solidFill>
+          <a:ln>
+            <a:noFill/>
+          </a:ln>
+        </p:spPr>
+        <p:style>
+          <a:lnRef idx="1">
+            <a:schemeClr val="accent1"/>
+          </a:lnRef>
+          <a:fillRef idx="3">
+            <a:schemeClr val="accent1"/>
+          </a:fillRef>
+          <a:effectRef idx="2">
+            <a:schemeClr val="accent1"/>
+          </a:effectRef>
+          <a:fontRef idx="minor">
+            <a:schemeClr val="lt1"/>
+          </a:fontRef>
+        </p:style>
+      </p:sp>
+    </p:spTree>
+    <p:extLst>
+      <p:ext uri="{BB962C8B-B14F-4D97-AF65-F5344CB8AC3E}">
+        <p14:creationId xmlns:p14="http://schemas.microsoft.com/office/powerpoint/2010/main" val="868403862"/>
+      </p:ext>
+    </p:extLst>
+  </p:cSld>
+  <p:clrMapOvr>
+    <a:masterClrMapping/>
+  </p:clrMapOvr>
+</p:sld>
+</file>
+
+<file path=ppt/slides/slide14.xml><?xml version="1.0" encoding="utf-8"?>
+<p:sld xmlns:a="http://schemas.openxmlformats.org/drawingml/2006/main" xmlns:r="http://schemas.openxmlformats.org/officeDocument/2006/relationships" xmlns:p="http://schemas.openxmlformats.org/presentationml/2006/main">
+  <p:cSld>
+    <p:spTree>
+      <p:nvGrpSpPr>
+        <p:cNvPr id="1" name=""/>
+        <p:cNvGrpSpPr/>
+        <p:nvPr/>
+      </p:nvGrpSpPr>
+      <p:grpSpPr>
+        <a:xfrm>
+          <a:off x="0" y="0"/>
+          <a:ext cx="0" cy="0"/>
+          <a:chOff x="0" y="0"/>
+          <a:chExt cx="0" cy="0"/>
+        </a:xfrm>
+      </p:grpSpPr>
+      <p:sp>
+        <p:nvSpPr>
+          <p:cNvPr id="2" name="Title 1">
+            <a:extLst>
+              <a:ext uri="{FF2B5EF4-FFF2-40B4-BE49-F238E27FC236}">
                 <a16:creationId xmlns:a16="http://schemas.microsoft.com/office/drawing/2014/main" id="{DC1D965C-14BC-4293-87ED-849FA694E3CE}"/>
               </a:ext>
             </a:extLst>
@@ -7496,7 +8126,10 @@
               <a:rPr lang="en-US" dirty="0" err="1"/>
               <a:t>Jupyter</a:t>
             </a:r>
-            <a:endParaRPr lang="en-US" dirty="0"/>
+            <a:r>
+              <a:rPr lang="en-US" dirty="0"/>
+              <a:t>: how the data was cleaned and manipulated</a:t>
+            </a:r>
           </a:p>
           <a:p>
             <a:r>
@@ -7510,6 +8143,345 @@
     <p:extLst>
       <p:ext uri="{BB962C8B-B14F-4D97-AF65-F5344CB8AC3E}">
         <p14:creationId xmlns:p14="http://schemas.microsoft.com/office/powerpoint/2010/main" val="98453793"/>
+      </p:ext>
+    </p:extLst>
+  </p:cSld>
+  <p:clrMapOvr>
+    <a:masterClrMapping/>
+  </p:clrMapOvr>
+</p:sld>
+</file>
+
+<file path=ppt/slides/slide15.xml><?xml version="1.0" encoding="utf-8"?>
+<p:sld xmlns:a="http://schemas.openxmlformats.org/drawingml/2006/main" xmlns:r="http://schemas.openxmlformats.org/officeDocument/2006/relationships" xmlns:p="http://schemas.openxmlformats.org/presentationml/2006/main">
+  <p:cSld>
+    <p:spTree>
+      <p:nvGrpSpPr>
+        <p:cNvPr id="1" name=""/>
+        <p:cNvGrpSpPr/>
+        <p:nvPr/>
+      </p:nvGrpSpPr>
+      <p:grpSpPr>
+        <a:xfrm>
+          <a:off x="0" y="0"/>
+          <a:ext cx="0" cy="0"/>
+          <a:chOff x="0" y="0"/>
+          <a:chExt cx="0" cy="0"/>
+        </a:xfrm>
+      </p:grpSpPr>
+      <p:sp>
+        <p:nvSpPr>
+          <p:cNvPr id="2" name="Title 1">
+            <a:extLst>
+              <a:ext uri="{FF2B5EF4-FFF2-40B4-BE49-F238E27FC236}">
+                <a16:creationId xmlns:a16="http://schemas.microsoft.com/office/drawing/2014/main" id="{19A025E9-03DE-4990-A21E-422140A4B7D4}"/>
+              </a:ext>
+            </a:extLst>
+          </p:cNvPr>
+          <p:cNvSpPr>
+            <a:spLocks noGrp="1"/>
+          </p:cNvSpPr>
+          <p:nvPr>
+            <p:ph type="title"/>
+          </p:nvPr>
+        </p:nvSpPr>
+        <p:spPr/>
+        <p:txBody>
+          <a:bodyPr/>
+          <a:lstStyle/>
+          <a:p>
+            <a:r>
+              <a:rPr lang="en-US" dirty="0"/>
+              <a:t>Interesting Factors</a:t>
+            </a:r>
+          </a:p>
+        </p:txBody>
+      </p:sp>
+      <p:sp>
+        <p:nvSpPr>
+          <p:cNvPr id="3" name="Content Placeholder 2">
+            <a:extLst>
+              <a:ext uri="{FF2B5EF4-FFF2-40B4-BE49-F238E27FC236}">
+                <a16:creationId xmlns:a16="http://schemas.microsoft.com/office/drawing/2014/main" id="{CAAD3C70-B905-47B0-B233-82620D9273DF}"/>
+              </a:ext>
+            </a:extLst>
+          </p:cNvPr>
+          <p:cNvSpPr>
+            <a:spLocks noGrp="1"/>
+          </p:cNvSpPr>
+          <p:nvPr>
+            <p:ph idx="1"/>
+          </p:nvPr>
+        </p:nvSpPr>
+        <p:spPr/>
+        <p:txBody>
+          <a:bodyPr/>
+          <a:lstStyle/>
+          <a:p>
+            <a:r>
+              <a:rPr lang="en-US" dirty="0"/>
+              <a:t>Have each member discuss 1-2 things that stood out to them using a graph or </a:t>
+            </a:r>
+            <a:r>
+              <a:rPr lang="en-US" dirty="0" err="1"/>
+              <a:t>Jupyter</a:t>
+            </a:r>
+            <a:endParaRPr lang="en-US" dirty="0"/>
+          </a:p>
+        </p:txBody>
+      </p:sp>
+    </p:spTree>
+    <p:extLst>
+      <p:ext uri="{BB962C8B-B14F-4D97-AF65-F5344CB8AC3E}">
+        <p14:creationId xmlns:p14="http://schemas.microsoft.com/office/powerpoint/2010/main" val="2653441738"/>
+      </p:ext>
+    </p:extLst>
+  </p:cSld>
+  <p:clrMapOvr>
+    <a:masterClrMapping/>
+  </p:clrMapOvr>
+</p:sld>
+</file>
+
+<file path=ppt/slides/slide16.xml><?xml version="1.0" encoding="utf-8"?>
+<p:sld xmlns:a="http://schemas.openxmlformats.org/drawingml/2006/main" xmlns:r="http://schemas.openxmlformats.org/officeDocument/2006/relationships" xmlns:p="http://schemas.openxmlformats.org/presentationml/2006/main">
+  <p:cSld>
+    <p:spTree>
+      <p:nvGrpSpPr>
+        <p:cNvPr id="1" name=""/>
+        <p:cNvGrpSpPr/>
+        <p:nvPr/>
+      </p:nvGrpSpPr>
+      <p:grpSpPr>
+        <a:xfrm>
+          <a:off x="0" y="0"/>
+          <a:ext cx="0" cy="0"/>
+          <a:chOff x="0" y="0"/>
+          <a:chExt cx="0" cy="0"/>
+        </a:xfrm>
+      </p:grpSpPr>
+      <p:sp>
+        <p:nvSpPr>
+          <p:cNvPr id="2" name="Title 1">
+            <a:extLst>
+              <a:ext uri="{FF2B5EF4-FFF2-40B4-BE49-F238E27FC236}">
+                <a16:creationId xmlns:a16="http://schemas.microsoft.com/office/drawing/2014/main" id="{6D32CD07-C4B6-407B-B1C4-9F6001B5628E}"/>
+              </a:ext>
+            </a:extLst>
+          </p:cNvPr>
+          <p:cNvSpPr>
+            <a:spLocks noGrp="1"/>
+          </p:cNvSpPr>
+          <p:nvPr>
+            <p:ph type="title"/>
+          </p:nvPr>
+        </p:nvSpPr>
+        <p:spPr/>
+        <p:txBody>
+          <a:bodyPr/>
+          <a:lstStyle/>
+          <a:p>
+            <a:r>
+              <a:rPr lang="en-US" dirty="0"/>
+              <a:t>Our Findings</a:t>
+            </a:r>
+          </a:p>
+        </p:txBody>
+      </p:sp>
+      <p:sp>
+        <p:nvSpPr>
+          <p:cNvPr id="3" name="Content Placeholder 2">
+            <a:extLst>
+              <a:ext uri="{FF2B5EF4-FFF2-40B4-BE49-F238E27FC236}">
+                <a16:creationId xmlns:a16="http://schemas.microsoft.com/office/drawing/2014/main" id="{D07A8484-4541-428A-ADF1-299D849FF1F3}"/>
+              </a:ext>
+            </a:extLst>
+          </p:cNvPr>
+          <p:cNvSpPr>
+            <a:spLocks noGrp="1"/>
+          </p:cNvSpPr>
+          <p:nvPr>
+            <p:ph idx="1"/>
+          </p:nvPr>
+        </p:nvSpPr>
+        <p:spPr/>
+        <p:txBody>
+          <a:bodyPr/>
+          <a:lstStyle/>
+          <a:p>
+            <a:r>
+              <a:rPr lang="en-US" dirty="0"/>
+              <a:t>Answer the questions we asked at the beginning in detail</a:t>
+            </a:r>
+          </a:p>
+          <a:p>
+            <a:r>
+              <a:rPr lang="en-US" dirty="0"/>
+              <a:t>Discuss what our findings mean</a:t>
+            </a:r>
+          </a:p>
+        </p:txBody>
+      </p:sp>
+    </p:spTree>
+    <p:extLst>
+      <p:ext uri="{BB962C8B-B14F-4D97-AF65-F5344CB8AC3E}">
+        <p14:creationId xmlns:p14="http://schemas.microsoft.com/office/powerpoint/2010/main" val="1098681829"/>
+      </p:ext>
+    </p:extLst>
+  </p:cSld>
+  <p:clrMapOvr>
+    <a:masterClrMapping/>
+  </p:clrMapOvr>
+</p:sld>
+</file>
+
+<file path=ppt/slides/slide17.xml><?xml version="1.0" encoding="utf-8"?>
+<p:sld xmlns:a="http://schemas.openxmlformats.org/drawingml/2006/main" xmlns:r="http://schemas.openxmlformats.org/officeDocument/2006/relationships" xmlns:p="http://schemas.openxmlformats.org/presentationml/2006/main">
+  <p:cSld>
+    <p:spTree>
+      <p:nvGrpSpPr>
+        <p:cNvPr id="1" name=""/>
+        <p:cNvGrpSpPr/>
+        <p:nvPr/>
+      </p:nvGrpSpPr>
+      <p:grpSpPr>
+        <a:xfrm>
+          <a:off x="0" y="0"/>
+          <a:ext cx="0" cy="0"/>
+          <a:chOff x="0" y="0"/>
+          <a:chExt cx="0" cy="0"/>
+        </a:xfrm>
+      </p:grpSpPr>
+      <p:sp>
+        <p:nvSpPr>
+          <p:cNvPr id="2" name="Title 1">
+            <a:extLst>
+              <a:ext uri="{FF2B5EF4-FFF2-40B4-BE49-F238E27FC236}">
+                <a16:creationId xmlns:a16="http://schemas.microsoft.com/office/drawing/2014/main" id="{10C602D1-AA59-4127-A2E4-3F61D5BB6D1D}"/>
+              </a:ext>
+            </a:extLst>
+          </p:cNvPr>
+          <p:cNvSpPr>
+            <a:spLocks noGrp="1"/>
+          </p:cNvSpPr>
+          <p:nvPr>
+            <p:ph type="title"/>
+          </p:nvPr>
+        </p:nvSpPr>
+        <p:spPr/>
+        <p:txBody>
+          <a:bodyPr/>
+          <a:lstStyle/>
+          <a:p>
+            <a:r>
+              <a:rPr lang="en-US" dirty="0"/>
+              <a:t>Final Thoughts</a:t>
+            </a:r>
+          </a:p>
+        </p:txBody>
+      </p:sp>
+      <p:sp>
+        <p:nvSpPr>
+          <p:cNvPr id="3" name="Content Placeholder 2">
+            <a:extLst>
+              <a:ext uri="{FF2B5EF4-FFF2-40B4-BE49-F238E27FC236}">
+                <a16:creationId xmlns:a16="http://schemas.microsoft.com/office/drawing/2014/main" id="{93DA9662-0691-473E-BF6A-3FD52D4DD643}"/>
+              </a:ext>
+            </a:extLst>
+          </p:cNvPr>
+          <p:cNvSpPr>
+            <a:spLocks noGrp="1"/>
+          </p:cNvSpPr>
+          <p:nvPr>
+            <p:ph idx="1"/>
+          </p:nvPr>
+        </p:nvSpPr>
+        <p:spPr/>
+        <p:txBody>
+          <a:bodyPr/>
+          <a:lstStyle/>
+          <a:p>
+            <a:r>
+              <a:rPr lang="en-US" dirty="0"/>
+              <a:t>What were the most difficult issues we ran into</a:t>
+            </a:r>
+          </a:p>
+          <a:p>
+            <a:r>
+              <a:rPr lang="en-US" dirty="0"/>
+              <a:t>What would we like to have researched if we were given more time</a:t>
+            </a:r>
+          </a:p>
+        </p:txBody>
+      </p:sp>
+    </p:spTree>
+    <p:extLst>
+      <p:ext uri="{BB962C8B-B14F-4D97-AF65-F5344CB8AC3E}">
+        <p14:creationId xmlns:p14="http://schemas.microsoft.com/office/powerpoint/2010/main" val="3097004301"/>
+      </p:ext>
+    </p:extLst>
+  </p:cSld>
+  <p:clrMapOvr>
+    <a:masterClrMapping/>
+  </p:clrMapOvr>
+</p:sld>
+</file>
+
+<file path=ppt/slides/slide18.xml><?xml version="1.0" encoding="utf-8"?>
+<p:sld xmlns:a="http://schemas.openxmlformats.org/drawingml/2006/main" xmlns:r="http://schemas.openxmlformats.org/officeDocument/2006/relationships" xmlns:p="http://schemas.openxmlformats.org/presentationml/2006/main">
+  <p:cSld>
+    <p:spTree>
+      <p:nvGrpSpPr>
+        <p:cNvPr id="1" name=""/>
+        <p:cNvGrpSpPr/>
+        <p:nvPr/>
+      </p:nvGrpSpPr>
+      <p:grpSpPr>
+        <a:xfrm>
+          <a:off x="0" y="0"/>
+          <a:ext cx="0" cy="0"/>
+          <a:chOff x="0" y="0"/>
+          <a:chExt cx="0" cy="0"/>
+        </a:xfrm>
+      </p:grpSpPr>
+      <p:sp>
+        <p:nvSpPr>
+          <p:cNvPr id="2" name="Title 1">
+            <a:extLst>
+              <a:ext uri="{FF2B5EF4-FFF2-40B4-BE49-F238E27FC236}">
+                <a16:creationId xmlns:a16="http://schemas.microsoft.com/office/drawing/2014/main" id="{CE691C23-8035-44E1-A52E-BEA73CA05255}"/>
+              </a:ext>
+            </a:extLst>
+          </p:cNvPr>
+          <p:cNvSpPr>
+            <a:spLocks noGrp="1"/>
+          </p:cNvSpPr>
+          <p:nvPr>
+            <p:ph type="title"/>
+          </p:nvPr>
+        </p:nvSpPr>
+        <p:spPr>
+          <a:xfrm>
+            <a:off x="1276900" y="1337778"/>
+            <a:ext cx="8859737" cy="3762325"/>
+          </a:xfrm>
+        </p:spPr>
+        <p:txBody>
+          <a:bodyPr/>
+          <a:lstStyle/>
+          <a:p>
+            <a:pPr algn="ctr"/>
+            <a:r>
+              <a:rPr lang="en-US" sz="20000" dirty="0"/>
+              <a:t>Q/A</a:t>
+            </a:r>
+          </a:p>
+        </p:txBody>
+      </p:sp>
+    </p:spTree>
+    <p:extLst>
+      <p:ext uri="{BB962C8B-B14F-4D97-AF65-F5344CB8AC3E}">
+        <p14:creationId xmlns:p14="http://schemas.microsoft.com/office/powerpoint/2010/main" val="2776081783"/>
       </p:ext>
     </p:extLst>
   </p:cSld>
@@ -7595,7 +8567,7 @@
             </a:pPr>
             <a:r>
               <a:rPr lang="en-US" dirty="0"/>
-              <a:t>We decided to choose a topic that has affected Americans in epidemic rates. The Opioid Epidemic has been at an all-time high due to number of Opioid Prescriptions given for pain. As prescription pain killers become more regulated and tougher to get, many users have decided to turn to illegal street narcotics such as heroin. We wanted to see what are some underlying factors in opioid deaths including socio-economic status, government legislation, and others.</a:t>
+              <a:t>We decided to choose a topic that has affected Americans in epidemic rates. The Opioid Epidemic has been at an all-time high due to number of Opioid Prescriptions given for pain. As prescription pain killers become more regulated and tougher to get, many users have decided to turn to illegal street narcotics such as heroin. We wanted to see what are some underlying factors in opioid deaths including socio-economic status, government legislation, race, income and others.</a:t>
             </a:r>
           </a:p>
         </p:txBody>
@@ -8210,7 +9182,10 @@
               <a:rPr lang="en-US" dirty="0" err="1"/>
               <a:t>Jupyter</a:t>
             </a:r>
-            <a:endParaRPr lang="en-US" dirty="0"/>
+            <a:r>
+              <a:rPr lang="en-US" dirty="0"/>
+              <a:t>: how the data was cleaned and manipulated</a:t>
+            </a:r>
           </a:p>
           <a:p>
             <a:r>
@@ -8236,6 +9211,31 @@
 <file path=ppt/slides/slide9.xml><?xml version="1.0" encoding="utf-8"?>
 <p:sld xmlns:a="http://schemas.openxmlformats.org/drawingml/2006/main" xmlns:r="http://schemas.openxmlformats.org/officeDocument/2006/relationships" xmlns:p="http://schemas.openxmlformats.org/presentationml/2006/main">
   <p:cSld>
+    <p:bg>
+      <p:bgPr>
+        <a:blipFill rotWithShape="1">
+          <a:blip r:embed="rId2">
+            <a:duotone>
+              <a:schemeClr val="bg2">
+                <a:shade val="69000"/>
+                <a:hueMod val="108000"/>
+                <a:satMod val="164000"/>
+                <a:lumMod val="74000"/>
+              </a:schemeClr>
+              <a:schemeClr val="bg2">
+                <a:tint val="96000"/>
+                <a:hueMod val="88000"/>
+                <a:satMod val="140000"/>
+                <a:lumMod val="132000"/>
+              </a:schemeClr>
+            </a:duotone>
+            <a:extLst/>
+          </a:blip>
+          <a:stretch/>
+        </a:blipFill>
+        <a:effectLst/>
+      </p:bgPr>
+    </p:bg>
     <p:spTree>
       <p:nvGrpSpPr>
         <p:cNvPr id="1" name=""/>
@@ -8250,79 +9250,471 @@
           <a:chExt cx="0" cy="0"/>
         </a:xfrm>
       </p:grpSpPr>
-      <p:sp>
-        <p:nvSpPr>
-          <p:cNvPr id="2" name="Title 1">
+      <p:pic>
+        <p:nvPicPr>
+          <p:cNvPr id="9" name="Picture 8">
             <a:extLst>
               <a:ext uri="{FF2B5EF4-FFF2-40B4-BE49-F238E27FC236}">
-                <a16:creationId xmlns:a16="http://schemas.microsoft.com/office/drawing/2014/main" id="{08BC5DC5-E60E-41DC-BA9A-E48A9CC70D82}"/>
+                <a16:creationId xmlns:a16="http://schemas.microsoft.com/office/drawing/2014/main" id="{C9ECDD5C-152A-4CC7-8333-0F367B3A62EA}"/>
+              </a:ext>
+              <a:ext uri="{C183D7F6-B498-43B3-948B-1728B52AA6E4}">
+                <adec:decorative xmlns:adec="http://schemas.microsoft.com/office/drawing/2017/decorative" val="1"/>
               </a:ext>
             </a:extLst>
           </p:cNvPr>
-          <p:cNvSpPr>
-            <a:spLocks noGrp="1"/>
-          </p:cNvSpPr>
-          <p:nvPr>
-            <p:ph type="title"/>
-          </p:nvPr>
-        </p:nvSpPr>
-        <p:spPr/>
-        <p:txBody>
-          <a:bodyPr/>
-          <a:lstStyle/>
-          <a:p>
-            <a:r>
-              <a:rPr lang="en-US" dirty="0"/>
-              <a:t>Opioids and Education</a:t>
-            </a:r>
-          </a:p>
-        </p:txBody>
-      </p:sp>
-      <p:sp>
-        <p:nvSpPr>
-          <p:cNvPr id="3" name="Content Placeholder 2">
+          <p:cNvPicPr>
+            <a:picLocks noGrp="1" noRot="1" noChangeAspect="1" noMove="1" noResize="1" noEditPoints="1" noAdjustHandles="1" noChangeArrowheads="1" noChangeShapeType="1" noCrop="1"/>
+          </p:cNvPicPr>
+          <p:nvPr>
+            <p:extLst>
+              <p:ext uri="{386F3935-93C4-4BCD-93E2-E3B085C9AB24}">
+                <p16:designElem xmlns:p16="http://schemas.microsoft.com/office/powerpoint/2015/main" val="1"/>
+              </p:ext>
+            </p:extLst>
+          </p:nvPr>
+        </p:nvPicPr>
+        <p:blipFill rotWithShape="1">
+          <a:blip r:embed="rId3">
+            <a:extLst>
+              <a:ext uri="{28A0092B-C50C-407E-A947-70E740481C1C}">
+                <a14:useLocalDpi xmlns:a14="http://schemas.microsoft.com/office/drawing/2010/main" val="0"/>
+              </a:ext>
+            </a:extLst>
+          </a:blip>
+          <a:srcRect l="3613"/>
+          <a:stretch/>
+        </p:blipFill>
+        <p:spPr>
+          <a:xfrm>
+            <a:off x="0" y="2669685"/>
+            <a:ext cx="4037012" cy="4188315"/>
+          </a:xfrm>
+          <a:prstGeom prst="rect">
+            <a:avLst/>
+          </a:prstGeom>
+        </p:spPr>
+      </p:pic>
+      <p:pic>
+        <p:nvPicPr>
+          <p:cNvPr id="11" name="Picture 10">
             <a:extLst>
               <a:ext uri="{FF2B5EF4-FFF2-40B4-BE49-F238E27FC236}">
-                <a16:creationId xmlns:a16="http://schemas.microsoft.com/office/drawing/2014/main" id="{CEFDBFE3-835F-4B7B-AAF0-E78E68FFB9E1}"/>
+                <a16:creationId xmlns:a16="http://schemas.microsoft.com/office/drawing/2014/main" id="{7F5C92A3-369B-43F3-BDCE-E560B1B0EC89}"/>
+              </a:ext>
+              <a:ext uri="{C183D7F6-B498-43B3-948B-1728B52AA6E4}">
+                <adec:decorative xmlns:adec="http://schemas.microsoft.com/office/drawing/2017/decorative" val="1"/>
               </a:ext>
             </a:extLst>
           </p:cNvPr>
-          <p:cNvSpPr>
-            <a:spLocks noGrp="1"/>
-          </p:cNvSpPr>
-          <p:nvPr>
-            <p:ph idx="1"/>
-          </p:nvPr>
-        </p:nvSpPr>
-        <p:spPr/>
-        <p:txBody>
-          <a:bodyPr/>
+          <p:cNvPicPr>
+            <a:picLocks noGrp="1" noRot="1" noChangeAspect="1" noMove="1" noResize="1" noEditPoints="1" noAdjustHandles="1" noChangeArrowheads="1" noChangeShapeType="1" noCrop="1"/>
+          </p:cNvPicPr>
+          <p:nvPr>
+            <p:extLst>
+              <p:ext uri="{386F3935-93C4-4BCD-93E2-E3B085C9AB24}">
+                <p16:designElem xmlns:p16="http://schemas.microsoft.com/office/powerpoint/2015/main" val="1"/>
+              </p:ext>
+            </p:extLst>
+          </p:nvPr>
+        </p:nvPicPr>
+        <p:blipFill rotWithShape="1">
+          <a:blip r:embed="rId4">
+            <a:extLst>
+              <a:ext uri="{28A0092B-C50C-407E-A947-70E740481C1C}">
+                <a14:useLocalDpi xmlns:a14="http://schemas.microsoft.com/office/drawing/2010/main" val="0"/>
+              </a:ext>
+            </a:extLst>
+          </a:blip>
+          <a:srcRect l="35640"/>
+          <a:stretch/>
+        </p:blipFill>
+        <p:spPr>
+          <a:xfrm>
+            <a:off x="0" y="2892347"/>
+            <a:ext cx="1522412" cy="2365453"/>
+          </a:xfrm>
+          <a:prstGeom prst="rect">
+            <a:avLst/>
+          </a:prstGeom>
+        </p:spPr>
+      </p:pic>
+      <p:sp>
+        <p:nvSpPr>
+          <p:cNvPr id="13" name="Oval 12">
+            <a:extLst>
+              <a:ext uri="{FF2B5EF4-FFF2-40B4-BE49-F238E27FC236}">
+                <a16:creationId xmlns:a16="http://schemas.microsoft.com/office/drawing/2014/main" id="{AEBE9F1A-B38D-446E-83AE-14B17CE77FF2}"/>
+              </a:ext>
+              <a:ext uri="{C183D7F6-B498-43B3-948B-1728B52AA6E4}">
+                <adec:decorative xmlns:adec="http://schemas.microsoft.com/office/drawing/2017/decorative" val="1"/>
+              </a:ext>
+            </a:extLst>
+          </p:cNvPr>
+          <p:cNvSpPr>
+            <a:spLocks noGrp="1" noRot="1" noChangeAspect="1" noMove="1" noResize="1" noEditPoints="1" noAdjustHandles="1" noChangeArrowheads="1" noChangeShapeType="1" noTextEdit="1"/>
+          </p:cNvSpPr>
+          <p:nvPr>
+            <p:extLst>
+              <p:ext uri="{386F3935-93C4-4BCD-93E2-E3B085C9AB24}">
+                <p16:designElem xmlns:p16="http://schemas.microsoft.com/office/powerpoint/2015/main" val="1"/>
+              </p:ext>
+            </p:extLst>
+          </p:nvPr>
+        </p:nvSpPr>
+        <p:spPr>
+          <a:xfrm>
+            <a:off x="8609012" y="1676400"/>
+            <a:ext cx="2819400" cy="2819400"/>
+          </a:xfrm>
+          <a:prstGeom prst="ellipse">
+            <a:avLst/>
+          </a:prstGeom>
+          <a:gradFill flip="none" rotWithShape="1">
+            <a:gsLst>
+              <a:gs pos="0">
+                <a:schemeClr val="bg2">
+                  <a:lumMod val="60000"/>
+                  <a:lumOff val="40000"/>
+                  <a:alpha val="7000"/>
+                </a:schemeClr>
+              </a:gs>
+              <a:gs pos="69000">
+                <a:schemeClr val="bg2">
+                  <a:lumMod val="60000"/>
+                  <a:lumOff val="40000"/>
+                  <a:alpha val="0"/>
+                </a:schemeClr>
+              </a:gs>
+              <a:gs pos="36000">
+                <a:schemeClr val="bg2">
+                  <a:lumMod val="60000"/>
+                  <a:lumOff val="40000"/>
+                  <a:alpha val="6000"/>
+                </a:schemeClr>
+              </a:gs>
+            </a:gsLst>
+            <a:path path="circle">
+              <a:fillToRect l="50000" t="50000" r="50000" b="50000"/>
+            </a:path>
+            <a:tileRect/>
+          </a:gradFill>
+          <a:ln>
+            <a:noFill/>
+          </a:ln>
+          <a:effectLst/>
+        </p:spPr>
+        <p:style>
+          <a:lnRef idx="1">
+            <a:schemeClr val="accent1"/>
+          </a:lnRef>
+          <a:fillRef idx="3">
+            <a:schemeClr val="accent1"/>
+          </a:fillRef>
+          <a:effectRef idx="2">
+            <a:schemeClr val="accent1"/>
+          </a:effectRef>
+          <a:fontRef idx="minor">
+            <a:schemeClr val="lt1"/>
+          </a:fontRef>
+        </p:style>
+      </p:sp>
+      <p:pic>
+        <p:nvPicPr>
+          <p:cNvPr id="15" name="Picture 14">
+            <a:extLst>
+              <a:ext uri="{FF2B5EF4-FFF2-40B4-BE49-F238E27FC236}">
+                <a16:creationId xmlns:a16="http://schemas.microsoft.com/office/drawing/2014/main" id="{915B5014-A7EC-4BA6-9C83-8840CF81DB28}"/>
+              </a:ext>
+              <a:ext uri="{C183D7F6-B498-43B3-948B-1728B52AA6E4}">
+                <adec:decorative xmlns:adec="http://schemas.microsoft.com/office/drawing/2017/decorative" val="1"/>
+              </a:ext>
+            </a:extLst>
+          </p:cNvPr>
+          <p:cNvPicPr>
+            <a:picLocks noGrp="1" noRot="1" noChangeAspect="1" noMove="1" noResize="1" noEditPoints="1" noAdjustHandles="1" noChangeArrowheads="1" noChangeShapeType="1" noCrop="1"/>
+          </p:cNvPicPr>
+          <p:nvPr>
+            <p:extLst>
+              <p:ext uri="{386F3935-93C4-4BCD-93E2-E3B085C9AB24}">
+                <p16:designElem xmlns:p16="http://schemas.microsoft.com/office/powerpoint/2015/main" val="1"/>
+              </p:ext>
+            </p:extLst>
+          </p:nvPr>
+        </p:nvPicPr>
+        <p:blipFill rotWithShape="1">
+          <a:blip r:embed="rId5">
+            <a:extLst>
+              <a:ext uri="{28A0092B-C50C-407E-A947-70E740481C1C}">
+                <a14:useLocalDpi xmlns:a14="http://schemas.microsoft.com/office/drawing/2010/main" val="0"/>
+              </a:ext>
+            </a:extLst>
+          </a:blip>
+          <a:srcRect t="28813"/>
+          <a:stretch/>
+        </p:blipFill>
+        <p:spPr>
+          <a:xfrm>
+            <a:off x="7999412" y="0"/>
+            <a:ext cx="1603387" cy="1141407"/>
+          </a:xfrm>
+          <a:prstGeom prst="rect">
+            <a:avLst/>
+          </a:prstGeom>
+        </p:spPr>
+      </p:pic>
+      <p:pic>
+        <p:nvPicPr>
+          <p:cNvPr id="17" name="Picture 16">
+            <a:extLst>
+              <a:ext uri="{FF2B5EF4-FFF2-40B4-BE49-F238E27FC236}">
+                <a16:creationId xmlns:a16="http://schemas.microsoft.com/office/drawing/2014/main" id="{022C43AB-86D7-420D-8AD7-DC0A15FDD0AF}"/>
+              </a:ext>
+              <a:ext uri="{C183D7F6-B498-43B3-948B-1728B52AA6E4}">
+                <adec:decorative xmlns:adec="http://schemas.microsoft.com/office/drawing/2017/decorative" val="1"/>
+              </a:ext>
+            </a:extLst>
+          </p:cNvPr>
+          <p:cNvPicPr>
+            <a:picLocks noGrp="1" noRot="1" noChangeAspect="1" noMove="1" noResize="1" noEditPoints="1" noAdjustHandles="1" noChangeArrowheads="1" noChangeShapeType="1" noCrop="1"/>
+          </p:cNvPicPr>
+          <p:nvPr>
+            <p:extLst>
+              <p:ext uri="{386F3935-93C4-4BCD-93E2-E3B085C9AB24}">
+                <p16:designElem xmlns:p16="http://schemas.microsoft.com/office/powerpoint/2015/main" val="1"/>
+              </p:ext>
+            </p:extLst>
+          </p:nvPr>
+        </p:nvPicPr>
+        <p:blipFill rotWithShape="1">
+          <a:blip r:embed="rId6">
+            <a:extLst>
+              <a:ext uri="{28A0092B-C50C-407E-A947-70E740481C1C}">
+                <a14:useLocalDpi xmlns:a14="http://schemas.microsoft.com/office/drawing/2010/main" val="0"/>
+              </a:ext>
+            </a:extLst>
+          </a:blip>
+          <a:srcRect b="23320"/>
+          <a:stretch/>
+        </p:blipFill>
+        <p:spPr>
+          <a:xfrm>
+            <a:off x="8605878" y="6096000"/>
+            <a:ext cx="993734" cy="762000"/>
+          </a:xfrm>
+          <a:prstGeom prst="rect">
+            <a:avLst/>
+          </a:prstGeom>
+        </p:spPr>
+      </p:pic>
+      <p:sp>
+        <p:nvSpPr>
+          <p:cNvPr id="19" name="Rectangle 18">
+            <a:extLst>
+              <a:ext uri="{FF2B5EF4-FFF2-40B4-BE49-F238E27FC236}">
+                <a16:creationId xmlns:a16="http://schemas.microsoft.com/office/drawing/2014/main" id="{5E3EB826-A471-488F-9E8A-D65528A3C0CA}"/>
+              </a:ext>
+              <a:ext uri="{C183D7F6-B498-43B3-948B-1728B52AA6E4}">
+                <adec:decorative xmlns:adec="http://schemas.microsoft.com/office/drawing/2017/decorative" val="1"/>
+              </a:ext>
+            </a:extLst>
+          </p:cNvPr>
+          <p:cNvSpPr>
+            <a:spLocks noGrp="1" noRot="1" noChangeAspect="1" noMove="1" noResize="1" noEditPoints="1" noAdjustHandles="1" noChangeArrowheads="1" noChangeShapeType="1" noTextEdit="1"/>
+          </p:cNvSpPr>
+          <p:nvPr>
+            <p:extLst>
+              <p:ext uri="{386F3935-93C4-4BCD-93E2-E3B085C9AB24}">
+                <p16:designElem xmlns:p16="http://schemas.microsoft.com/office/powerpoint/2015/main" val="1"/>
+              </p:ext>
+            </p:extLst>
+          </p:nvPr>
+        </p:nvSpPr>
+        <p:spPr>
+          <a:xfrm>
+            <a:off x="10437812" y="0"/>
+            <a:ext cx="685800" cy="1143000"/>
+          </a:xfrm>
+          <a:prstGeom prst="rect">
+            <a:avLst/>
+          </a:prstGeom>
+          <a:solidFill>
+            <a:schemeClr val="accent1"/>
+          </a:solidFill>
+          <a:ln>
+            <a:noFill/>
+          </a:ln>
+        </p:spPr>
+        <p:style>
+          <a:lnRef idx="1">
+            <a:schemeClr val="accent1"/>
+          </a:lnRef>
+          <a:fillRef idx="3">
+            <a:schemeClr val="accent1"/>
+          </a:fillRef>
+          <a:effectRef idx="2">
+            <a:schemeClr val="accent1"/>
+          </a:effectRef>
+          <a:fontRef idx="minor">
+            <a:schemeClr val="lt1"/>
+          </a:fontRef>
+        </p:style>
+      </p:sp>
+      <p:sp>
+        <p:nvSpPr>
+          <p:cNvPr id="21" name="Rectangle 20">
+            <a:extLst>
+              <a:ext uri="{FF2B5EF4-FFF2-40B4-BE49-F238E27FC236}">
+                <a16:creationId xmlns:a16="http://schemas.microsoft.com/office/drawing/2014/main" id="{DFB3CEA1-88D9-42FB-88ED-1E9807FE6596}"/>
+              </a:ext>
+              <a:ext uri="{C183D7F6-B498-43B3-948B-1728B52AA6E4}">
+                <adec:decorative xmlns:adec="http://schemas.microsoft.com/office/drawing/2017/decorative" val="1"/>
+              </a:ext>
+            </a:extLst>
+          </p:cNvPr>
+          <p:cNvSpPr>
+            <a:spLocks noGrp="1" noRot="1" noChangeAspect="1" noMove="1" noResize="1" noEditPoints="1" noAdjustHandles="1" noChangeArrowheads="1" noChangeShapeType="1" noTextEdit="1"/>
+          </p:cNvSpPr>
+          <p:nvPr>
+            <p:extLst>
+              <p:ext uri="{386F3935-93C4-4BCD-93E2-E3B085C9AB24}">
+                <p16:designElem xmlns:p16="http://schemas.microsoft.com/office/powerpoint/2015/main" val="1"/>
+              </p:ext>
+            </p:extLst>
+          </p:nvPr>
+        </p:nvSpPr>
+        <p:spPr>
+          <a:xfrm>
+            <a:off x="477012" y="480060"/>
+            <a:ext cx="11237976" cy="5897880"/>
+          </a:xfrm>
+          <a:prstGeom prst="rect">
+            <a:avLst/>
+          </a:prstGeom>
+          <a:solidFill>
+            <a:srgbClr val="FFFFFF"/>
+          </a:solidFill>
+          <a:ln>
+            <a:noFill/>
+          </a:ln>
+        </p:spPr>
+        <p:style>
+          <a:lnRef idx="2">
+            <a:schemeClr val="accent1">
+              <a:shade val="50000"/>
+            </a:schemeClr>
+          </a:lnRef>
+          <a:fillRef idx="1">
+            <a:schemeClr val="accent1"/>
+          </a:fillRef>
+          <a:effectRef idx="0">
+            <a:schemeClr val="accent1"/>
+          </a:effectRef>
+          <a:fontRef idx="minor">
+            <a:schemeClr val="lt1"/>
+          </a:fontRef>
+        </p:style>
+        <p:txBody>
+          <a:bodyPr rtlCol="0" anchor="ctr"/>
           <a:lstStyle/>
           <a:p>
-            <a:r>
-              <a:rPr lang="en-US" dirty="0"/>
-              <a:t>Brief intro</a:t>
-            </a:r>
-          </a:p>
-          <a:p>
-            <a:r>
-              <a:rPr lang="en-US" dirty="0" err="1"/>
-              <a:t>Jupyter</a:t>
-            </a:r>
+            <a:pPr algn="ctr"/>
             <a:endParaRPr lang="en-US" dirty="0"/>
           </a:p>
-          <a:p>
-            <a:r>
-              <a:rPr lang="en-US" dirty="0"/>
-              <a:t>Graph</a:t>
-            </a:r>
-          </a:p>
-        </p:txBody>
+        </p:txBody>
+      </p:sp>
+      <p:pic>
+        <p:nvPicPr>
+          <p:cNvPr id="4" name="Picture 3">
+            <a:extLst>
+              <a:ext uri="{FF2B5EF4-FFF2-40B4-BE49-F238E27FC236}">
+                <a16:creationId xmlns:a16="http://schemas.microsoft.com/office/drawing/2014/main" id="{D7B7E212-0FD7-4581-9704-CC7855AF2CB7}"/>
+              </a:ext>
+            </a:extLst>
+          </p:cNvPr>
+          <p:cNvPicPr>
+            <a:picLocks noChangeAspect="1"/>
+          </p:cNvPicPr>
+          <p:nvPr/>
+        </p:nvPicPr>
+        <p:blipFill>
+          <a:blip r:embed="rId7">
+            <a:extLst>
+              <a:ext uri="{28A0092B-C50C-407E-A947-70E740481C1C}">
+                <a14:useLocalDpi xmlns:a14="http://schemas.microsoft.com/office/drawing/2010/main" val="0"/>
+              </a:ext>
+            </a:extLst>
+          </a:blip>
+          <a:stretch>
+            <a:fillRect/>
+          </a:stretch>
+        </p:blipFill>
+        <p:spPr>
+          <a:xfrm>
+            <a:off x="3310467" y="643467"/>
+            <a:ext cx="5571066" cy="5571066"/>
+          </a:xfrm>
+          <a:prstGeom prst="rect">
+            <a:avLst/>
+          </a:prstGeom>
+        </p:spPr>
+      </p:pic>
+      <p:sp>
+        <p:nvSpPr>
+          <p:cNvPr id="23" name="Rectangle 22">
+            <a:extLst>
+              <a:ext uri="{FF2B5EF4-FFF2-40B4-BE49-F238E27FC236}">
+                <a16:creationId xmlns:a16="http://schemas.microsoft.com/office/drawing/2014/main" id="{9A6C928E-4252-4F33-8C34-E50A12A3170B}"/>
+              </a:ext>
+              <a:ext uri="{C183D7F6-B498-43B3-948B-1728B52AA6E4}">
+                <adec:decorative xmlns:adec="http://schemas.microsoft.com/office/drawing/2017/decorative" val="1"/>
+              </a:ext>
+            </a:extLst>
+          </p:cNvPr>
+          <p:cNvSpPr>
+            <a:spLocks noGrp="1" noRot="1" noChangeAspect="1" noMove="1" noResize="1" noEditPoints="1" noAdjustHandles="1" noChangeArrowheads="1" noChangeShapeType="1" noTextEdit="1"/>
+          </p:cNvSpPr>
+          <p:nvPr>
+            <p:extLst>
+              <p:ext uri="{386F3935-93C4-4BCD-93E2-E3B085C9AB24}">
+                <p16:designElem xmlns:p16="http://schemas.microsoft.com/office/powerpoint/2015/main" val="1"/>
+              </p:ext>
+            </p:extLst>
+          </p:nvPr>
+        </p:nvSpPr>
+        <p:spPr>
+          <a:xfrm>
+            <a:off x="10437812" y="0"/>
+            <a:ext cx="685800" cy="1143000"/>
+          </a:xfrm>
+          <a:prstGeom prst="rect">
+            <a:avLst/>
+          </a:prstGeom>
+          <a:solidFill>
+            <a:schemeClr val="accent1"/>
+          </a:solidFill>
+          <a:ln>
+            <a:noFill/>
+          </a:ln>
+        </p:spPr>
+        <p:style>
+          <a:lnRef idx="1">
+            <a:schemeClr val="accent1"/>
+          </a:lnRef>
+          <a:fillRef idx="3">
+            <a:schemeClr val="accent1"/>
+          </a:fillRef>
+          <a:effectRef idx="2">
+            <a:schemeClr val="accent1"/>
+          </a:effectRef>
+          <a:fontRef idx="minor">
+            <a:schemeClr val="lt1"/>
+          </a:fontRef>
+        </p:style>
       </p:sp>
     </p:spTree>
     <p:extLst>
       <p:ext uri="{BB962C8B-B14F-4D97-AF65-F5344CB8AC3E}">
-        <p14:creationId xmlns:p14="http://schemas.microsoft.com/office/powerpoint/2010/main" val="1860447178"/>
+        <p14:creationId xmlns:p14="http://schemas.microsoft.com/office/powerpoint/2010/main" val="2549409268"/>
       </p:ext>
     </p:extLst>
   </p:cSld>

--- a/Opioid_Crisis.pptx
+++ b/Opioid_Crisis.pptx
@@ -33952,10 +33952,10 @@
       </p:grpSpPr>
       <p:pic>
         <p:nvPicPr>
-          <p:cNvPr id="31" name="Picture 30">
+          <p:cNvPr id="48" name="Picture 47">
             <a:extLst>
               <a:ext uri="{FF2B5EF4-FFF2-40B4-BE49-F238E27FC236}">
-                <a16:creationId xmlns:a16="http://schemas.microsoft.com/office/drawing/2014/main" id="{5B89E5C5-A037-45B3-9D37-3658914D4799}"/>
+                <a16:creationId xmlns:a16="http://schemas.microsoft.com/office/drawing/2014/main" id="{C9ECDD5C-152A-4CC7-8333-0F367B3A62EA}"/>
               </a:ext>
               <a:ext uri="{C183D7F6-B498-43B3-948B-1728B52AA6E4}">
                 <adec:decorative xmlns:adec="http://schemas.microsoft.com/office/drawing/2017/decorative" val="1"/>
@@ -33996,10 +33996,10 @@
       </p:pic>
       <p:pic>
         <p:nvPicPr>
-          <p:cNvPr id="33" name="Picture 32">
+          <p:cNvPr id="50" name="Picture 49">
             <a:extLst>
               <a:ext uri="{FF2B5EF4-FFF2-40B4-BE49-F238E27FC236}">
-                <a16:creationId xmlns:a16="http://schemas.microsoft.com/office/drawing/2014/main" id="{5ACB93B0-521E-443D-9750-AFCFDDB3E801}"/>
+                <a16:creationId xmlns:a16="http://schemas.microsoft.com/office/drawing/2014/main" id="{7F5C92A3-369B-43F3-BDCE-E560B1B0EC89}"/>
               </a:ext>
               <a:ext uri="{C183D7F6-B498-43B3-948B-1728B52AA6E4}">
                 <adec:decorative xmlns:adec="http://schemas.microsoft.com/office/drawing/2017/decorative" val="1"/>
@@ -34040,10 +34040,10 @@
       </p:pic>
       <p:sp>
         <p:nvSpPr>
-          <p:cNvPr id="35" name="Oval 34">
+          <p:cNvPr id="52" name="Oval 51">
             <a:extLst>
               <a:ext uri="{FF2B5EF4-FFF2-40B4-BE49-F238E27FC236}">
-                <a16:creationId xmlns:a16="http://schemas.microsoft.com/office/drawing/2014/main" id="{DA1DAC79-DDBA-4382-9D43-6E5F685BE5FB}"/>
+                <a16:creationId xmlns:a16="http://schemas.microsoft.com/office/drawing/2014/main" id="{AEBE9F1A-B38D-446E-83AE-14B17CE77FF2}"/>
               </a:ext>
               <a:ext uri="{C183D7F6-B498-43B3-948B-1728B52AA6E4}">
                 <adec:decorative xmlns:adec="http://schemas.microsoft.com/office/drawing/2017/decorative" val="1"/>
@@ -34063,7 +34063,7 @@
         </p:nvSpPr>
         <p:spPr>
           <a:xfrm>
-            <a:off x="8605878" y="1676400"/>
+            <a:off x="8609012" y="1676400"/>
             <a:ext cx="2819400" cy="2819400"/>
           </a:xfrm>
           <a:prstGeom prst="ellipse">
@@ -34120,10 +34120,10 @@
       </p:sp>
       <p:pic>
         <p:nvPicPr>
-          <p:cNvPr id="37" name="Picture 36">
+          <p:cNvPr id="54" name="Picture 53">
             <a:extLst>
               <a:ext uri="{FF2B5EF4-FFF2-40B4-BE49-F238E27FC236}">
-                <a16:creationId xmlns:a16="http://schemas.microsoft.com/office/drawing/2014/main" id="{E0880F10-995F-4F01-A83B-7ECDB7BE7905}"/>
+                <a16:creationId xmlns:a16="http://schemas.microsoft.com/office/drawing/2014/main" id="{915B5014-A7EC-4BA6-9C83-8840CF81DB28}"/>
               </a:ext>
               <a:ext uri="{C183D7F6-B498-43B3-948B-1728B52AA6E4}">
                 <adec:decorative xmlns:adec="http://schemas.microsoft.com/office/drawing/2017/decorative" val="1"/>
@@ -34164,10 +34164,10 @@
       </p:pic>
       <p:pic>
         <p:nvPicPr>
-          <p:cNvPr id="39" name="Picture 38">
+          <p:cNvPr id="56" name="Picture 55">
             <a:extLst>
               <a:ext uri="{FF2B5EF4-FFF2-40B4-BE49-F238E27FC236}">
-                <a16:creationId xmlns:a16="http://schemas.microsoft.com/office/drawing/2014/main" id="{A2D49266-1F08-40F2-B0E1-1D919DCB5780}"/>
+                <a16:creationId xmlns:a16="http://schemas.microsoft.com/office/drawing/2014/main" id="{022C43AB-86D7-420D-8AD7-DC0A15FDD0AF}"/>
               </a:ext>
               <a:ext uri="{C183D7F6-B498-43B3-948B-1728B52AA6E4}">
                 <adec:decorative xmlns:adec="http://schemas.microsoft.com/office/drawing/2017/decorative" val="1"/>
@@ -34208,10 +34208,10 @@
       </p:pic>
       <p:sp>
         <p:nvSpPr>
-          <p:cNvPr id="41" name="Rectangle 40">
+          <p:cNvPr id="58" name="Rectangle 57">
             <a:extLst>
               <a:ext uri="{FF2B5EF4-FFF2-40B4-BE49-F238E27FC236}">
-                <a16:creationId xmlns:a16="http://schemas.microsoft.com/office/drawing/2014/main" id="{6AACA73D-178F-4CFC-99E3-9F4FCBBDBA83}"/>
+                <a16:creationId xmlns:a16="http://schemas.microsoft.com/office/drawing/2014/main" id="{5E3EB826-A471-488F-9E8A-D65528A3C0CA}"/>
               </a:ext>
               <a:ext uri="{C183D7F6-B498-43B3-948B-1728B52AA6E4}">
                 <adec:decorative xmlns:adec="http://schemas.microsoft.com/office/drawing/2017/decorative" val="1"/>
@@ -34261,10 +34261,109 @@
       </p:sp>
       <p:sp>
         <p:nvSpPr>
-          <p:cNvPr id="43" name="Rectangle 42">
+          <p:cNvPr id="60" name="Rectangle 59">
             <a:extLst>
               <a:ext uri="{FF2B5EF4-FFF2-40B4-BE49-F238E27FC236}">
-                <a16:creationId xmlns:a16="http://schemas.microsoft.com/office/drawing/2014/main" id="{52B1435E-BAB8-43AB-AF6A-C15D437DCB1B}"/>
+                <a16:creationId xmlns:a16="http://schemas.microsoft.com/office/drawing/2014/main" id="{DFB3CEA1-88D9-42FB-88ED-1E9807FE6596}"/>
+              </a:ext>
+              <a:ext uri="{C183D7F6-B498-43B3-948B-1728B52AA6E4}">
+                <adec:decorative xmlns:adec="http://schemas.microsoft.com/office/drawing/2017/decorative" val="1"/>
+              </a:ext>
+            </a:extLst>
+          </p:cNvPr>
+          <p:cNvSpPr>
+            <a:spLocks noGrp="1" noRot="1" noChangeAspect="1" noMove="1" noResize="1" noEditPoints="1" noAdjustHandles="1" noChangeArrowheads="1" noChangeShapeType="1" noTextEdit="1"/>
+          </p:cNvSpPr>
+          <p:nvPr>
+            <p:extLst>
+              <p:ext uri="{386F3935-93C4-4BCD-93E2-E3B085C9AB24}">
+                <p16:designElem xmlns:p16="http://schemas.microsoft.com/office/powerpoint/2015/main" val="1"/>
+              </p:ext>
+            </p:extLst>
+          </p:nvPr>
+        </p:nvSpPr>
+        <p:spPr>
+          <a:xfrm>
+            <a:off x="477012" y="480060"/>
+            <a:ext cx="11237976" cy="5897880"/>
+          </a:xfrm>
+          <a:prstGeom prst="rect">
+            <a:avLst/>
+          </a:prstGeom>
+          <a:solidFill>
+            <a:srgbClr val="FFFFFF"/>
+          </a:solidFill>
+          <a:ln>
+            <a:noFill/>
+          </a:ln>
+        </p:spPr>
+        <p:style>
+          <a:lnRef idx="2">
+            <a:schemeClr val="accent1">
+              <a:shade val="50000"/>
+            </a:schemeClr>
+          </a:lnRef>
+          <a:fillRef idx="1">
+            <a:schemeClr val="accent1"/>
+          </a:fillRef>
+          <a:effectRef idx="0">
+            <a:schemeClr val="accent1"/>
+          </a:effectRef>
+          <a:fontRef idx="minor">
+            <a:schemeClr val="lt1"/>
+          </a:fontRef>
+        </p:style>
+        <p:txBody>
+          <a:bodyPr rtlCol="0" anchor="ctr"/>
+          <a:lstStyle/>
+          <a:p>
+            <a:pPr algn="ctr"/>
+            <a:endParaRPr lang="en-US" dirty="0"/>
+          </a:p>
+        </p:txBody>
+      </p:sp>
+      <p:pic>
+        <p:nvPicPr>
+          <p:cNvPr id="9" name="Picture 8">
+            <a:extLst>
+              <a:ext uri="{FF2B5EF4-FFF2-40B4-BE49-F238E27FC236}">
+                <a16:creationId xmlns:a16="http://schemas.microsoft.com/office/drawing/2014/main" id="{A94A080F-0773-4359-8840-209C4234F19A}"/>
+              </a:ext>
+            </a:extLst>
+          </p:cNvPr>
+          <p:cNvPicPr>
+            <a:picLocks noChangeAspect="1"/>
+          </p:cNvPicPr>
+          <p:nvPr/>
+        </p:nvPicPr>
+        <p:blipFill>
+          <a:blip r:embed="rId7">
+            <a:extLst>
+              <a:ext uri="{28A0092B-C50C-407E-A947-70E740481C1C}">
+                <a14:useLocalDpi xmlns:a14="http://schemas.microsoft.com/office/drawing/2010/main" val="0"/>
+              </a:ext>
+            </a:extLst>
+          </a:blip>
+          <a:stretch>
+            <a:fillRect/>
+          </a:stretch>
+        </p:blipFill>
+        <p:spPr>
+          <a:xfrm>
+            <a:off x="1917700" y="643467"/>
+            <a:ext cx="8356599" cy="5571066"/>
+          </a:xfrm>
+          <a:prstGeom prst="rect">
+            <a:avLst/>
+          </a:prstGeom>
+        </p:spPr>
+      </p:pic>
+      <p:sp>
+        <p:nvSpPr>
+          <p:cNvPr id="62" name="Rectangle 61">
+            <a:extLst>
+              <a:ext uri="{FF2B5EF4-FFF2-40B4-BE49-F238E27FC236}">
+                <a16:creationId xmlns:a16="http://schemas.microsoft.com/office/drawing/2014/main" id="{9A6C928E-4252-4F33-8C34-E50A12A3170B}"/>
               </a:ext>
               <a:ext uri="{C183D7F6-B498-43B3-948B-1728B52AA6E4}">
                 <adec:decorative xmlns:adec="http://schemas.microsoft.com/office/drawing/2017/decorative" val="1"/>
@@ -34312,42 +34411,6 @@
           </a:fontRef>
         </p:style>
       </p:sp>
-      <p:pic>
-        <p:nvPicPr>
-          <p:cNvPr id="7" name="Picture 6">
-            <a:extLst>
-              <a:ext uri="{FF2B5EF4-FFF2-40B4-BE49-F238E27FC236}">
-                <a16:creationId xmlns:a16="http://schemas.microsoft.com/office/drawing/2014/main" id="{BA95FBC0-6339-444F-8831-1532FA2458E4}"/>
-              </a:ext>
-            </a:extLst>
-          </p:cNvPr>
-          <p:cNvPicPr>
-            <a:picLocks noChangeAspect="1"/>
-          </p:cNvPicPr>
-          <p:nvPr/>
-        </p:nvPicPr>
-        <p:blipFill>
-          <a:blip r:embed="rId7">
-            <a:extLst>
-              <a:ext uri="{28A0092B-C50C-407E-A947-70E740481C1C}">
-                <a14:useLocalDpi xmlns:a14="http://schemas.microsoft.com/office/drawing/2010/main" val="0"/>
-              </a:ext>
-            </a:extLst>
-          </a:blip>
-          <a:stretch>
-            <a:fillRect/>
-          </a:stretch>
-        </p:blipFill>
-        <p:spPr>
-          <a:xfrm>
-            <a:off x="1522412" y="379941"/>
-            <a:ext cx="9149238" cy="6099492"/>
-          </a:xfrm>
-          <a:prstGeom prst="rect">
-            <a:avLst/>
-          </a:prstGeom>
-        </p:spPr>
-      </p:pic>
     </p:spTree>
     <p:extLst>
       <p:ext uri="{BB962C8B-B14F-4D97-AF65-F5344CB8AC3E}">

--- a/Opioid_Crisis.pptx
+++ b/Opioid_Crisis.pptx
@@ -145,6 +145,344 @@
     </p:ext>
   </p:extLst>
 </p:presentation>
+</file>
+
+<file path=ppt/commentAuthors.xml><?xml version="1.0" encoding="utf-8"?>
+<p:cmAuthorLst xmlns:a="http://schemas.openxmlformats.org/drawingml/2006/main" xmlns:r="http://schemas.openxmlformats.org/officeDocument/2006/relationships" xmlns:p="http://schemas.openxmlformats.org/presentationml/2006/main">
+  <p:cmAuthor id="1" name="Adam Luke" initials="AL" lastIdx="34" clrIdx="0">
+    <p:extLst>
+      <p:ext uri="{19B8F6BF-5375-455C-9EA6-DF929625EA0E}">
+        <p15:presenceInfo xmlns:p15="http://schemas.microsoft.com/office/powerpoint/2012/main" userId="S::aluke@branded-group.com::98d12907-3069-44b5-9916-5776d539a564" providerId="AD"/>
+      </p:ext>
+    </p:extLst>
+  </p:cmAuthor>
+</p:cmAuthorLst>
+</file>
+
+<file path=ppt/comments/comment1.xml><?xml version="1.0" encoding="utf-8"?>
+<p:cmLst xmlns:a="http://schemas.openxmlformats.org/drawingml/2006/main" xmlns:r="http://schemas.openxmlformats.org/officeDocument/2006/relationships" xmlns:p="http://schemas.openxmlformats.org/presentationml/2006/main">
+  <p:cm authorId="1" dt="2019-01-15T06:53:03.905" idx="1">
+    <p:pos x="10" y="10"/>
+    <p:text>This is a nice slide summarizing the questions that you want to ask at a high level</p:text>
+    <p:extLst>
+      <p:ext uri="{C676402C-5697-4E1C-873F-D02D1690AC5C}">
+        <p15:threadingInfo xmlns:p15="http://schemas.microsoft.com/office/powerpoint/2012/main" timeZoneBias="480"/>
+      </p:ext>
+    </p:extLst>
+  </p:cm>
+</p:cmLst>
+</file>
+
+<file path=ppt/comments/comment10.xml><?xml version="1.0" encoding="utf-8"?>
+<p:cmLst xmlns:a="http://schemas.openxmlformats.org/drawingml/2006/main" xmlns:r="http://schemas.openxmlformats.org/officeDocument/2006/relationships" xmlns:p="http://schemas.openxmlformats.org/presentationml/2006/main">
+  <p:cm authorId="1" dt="2019-01-15T07:41:39.997" idx="28">
+    <p:pos x="1205" y="1859"/>
+    <p:text>Again, clearly label the x an y axis</p:text>
+    <p:extLst>
+      <p:ext uri="{C676402C-5697-4E1C-873F-D02D1690AC5C}">
+        <p15:threadingInfo xmlns:p15="http://schemas.microsoft.com/office/powerpoint/2012/main" timeZoneBias="480"/>
+      </p:ext>
+    </p:extLst>
+  </p:cm>
+</p:cmLst>
+</file>
+
+<file path=ppt/comments/comment11.xml><?xml version="1.0" encoding="utf-8"?>
+<p:cmLst xmlns:a="http://schemas.openxmlformats.org/drawingml/2006/main" xmlns:r="http://schemas.openxmlformats.org/officeDocument/2006/relationships" xmlns:p="http://schemas.openxmlformats.org/presentationml/2006/main">
+  <p:cm authorId="1" dt="2019-01-15T07:42:10.408" idx="29">
+    <p:pos x="3374" y="1788"/>
+    <p:text>Nice, please report the p values and the means of the different distributions.  I like to see the difference in means to understand how separated the distributions are in addition to the statistical significance of the difference.</p:text>
+    <p:extLst>
+      <p:ext uri="{C676402C-5697-4E1C-873F-D02D1690AC5C}">
+        <p15:threadingInfo xmlns:p15="http://schemas.microsoft.com/office/powerpoint/2012/main" timeZoneBias="480"/>
+      </p:ext>
+    </p:extLst>
+  </p:cm>
+</p:cmLst>
+</file>
+
+<file path=ppt/comments/comment12.xml><?xml version="1.0" encoding="utf-8"?>
+<p:cmLst xmlns:a="http://schemas.openxmlformats.org/drawingml/2006/main" xmlns:r="http://schemas.openxmlformats.org/officeDocument/2006/relationships" xmlns:p="http://schemas.openxmlformats.org/presentationml/2006/main">
+  <p:cm authorId="1" dt="2019-01-15T07:44:16.985" idx="30">
+    <p:pos x="10" y="10"/>
+    <p:text>This is a very nice plot because you can clearly see the difference between the distributions. </p:text>
+    <p:extLst>
+      <p:ext uri="{C676402C-5697-4E1C-873F-D02D1690AC5C}">
+        <p15:threadingInfo xmlns:p15="http://schemas.microsoft.com/office/powerpoint/2012/main" timeZoneBias="480"/>
+      </p:ext>
+    </p:extLst>
+  </p:cm>
+  <p:cm authorId="1" dt="2019-01-15T07:45:31.681" idx="31">
+    <p:pos x="10" y="106"/>
+    <p:text>What is the y axis?  Is this probability density?  Percentage in range?  How did you come up with those smooth curves?</p:text>
+    <p:extLst>
+      <p:ext uri="{C676402C-5697-4E1C-873F-D02D1690AC5C}">
+        <p15:threadingInfo xmlns:p15="http://schemas.microsoft.com/office/powerpoint/2012/main" timeZoneBias="480">
+          <p15:parentCm authorId="1" idx="30"/>
+        </p15:threadingInfo>
+      </p:ext>
+    </p:extLst>
+  </p:cm>
+</p:cmLst>
+</file>
+
+<file path=ppt/comments/comment13.xml><?xml version="1.0" encoding="utf-8"?>
+<p:cmLst xmlns:a="http://schemas.openxmlformats.org/drawingml/2006/main" xmlns:r="http://schemas.openxmlformats.org/officeDocument/2006/relationships" xmlns:p="http://schemas.openxmlformats.org/presentationml/2006/main">
+  <p:cm authorId="1" dt="2019-01-15T07:46:29.600" idx="32">
+    <p:pos x="5656" y="2869"/>
+    <p:text>This is a strong conclusion, nice! </p:text>
+    <p:extLst>
+      <p:ext uri="{C676402C-5697-4E1C-873F-D02D1690AC5C}">
+        <p15:threadingInfo xmlns:p15="http://schemas.microsoft.com/office/powerpoint/2012/main" timeZoneBias="480"/>
+      </p:ext>
+    </p:extLst>
+  </p:cm>
+  <p:cm authorId="1" dt="2019-01-15T07:47:02.456" idx="33">
+    <p:pos x="2172" y="2015"/>
+    <p:text>Did you do any spatial analysis to see if opioids have reached every community?  Did you explore this in your analysis?  If not, best to leave it out of summary</p:text>
+    <p:extLst>
+      <p:ext uri="{C676402C-5697-4E1C-873F-D02D1690AC5C}">
+        <p15:threadingInfo xmlns:p15="http://schemas.microsoft.com/office/powerpoint/2012/main" timeZoneBias="480"/>
+      </p:ext>
+    </p:extLst>
+  </p:cm>
+</p:cmLst>
+</file>
+
+<file path=ppt/comments/comment2.xml><?xml version="1.0" encoding="utf-8"?>
+<p:cmLst xmlns:a="http://schemas.openxmlformats.org/drawingml/2006/main" xmlns:r="http://schemas.openxmlformats.org/officeDocument/2006/relationships" xmlns:p="http://schemas.openxmlformats.org/presentationml/2006/main">
+  <p:cm authorId="1" dt="2019-01-15T06:56:43.825" idx="2">
+    <p:pos x="10" y="10"/>
+    <p:text>Ok, here I would state the hypothesis more precisely:  </p:text>
+    <p:extLst>
+      <p:ext uri="{C676402C-5697-4E1C-873F-D02D1690AC5C}">
+        <p15:threadingInfo xmlns:p15="http://schemas.microsoft.com/office/powerpoint/2012/main" timeZoneBias="480"/>
+      </p:ext>
+    </p:extLst>
+  </p:cm>
+  <p:cm authorId="1" dt="2019-01-15T06:59:07.335" idx="3">
+    <p:pos x="10" y="106"/>
+    <p:text>Hypothesis: Socio-economic status, education level, healthcare, and race are predictors of opioid related death rates.</p:text>
+    <p:extLst>
+      <p:ext uri="{C676402C-5697-4E1C-873F-D02D1690AC5C}">
+        <p15:threadingInfo xmlns:p15="http://schemas.microsoft.com/office/powerpoint/2012/main" timeZoneBias="480">
+          <p15:parentCm authorId="1" idx="2"/>
+        </p15:threadingInfo>
+      </p:ext>
+    </p:extLst>
+  </p:cm>
+  <p:cm authorId="1" dt="2019-01-15T07:00:53.445" idx="4">
+    <p:pos x="10" y="202"/>
+    <p:text>I'm not sure what you mean in the second sentence.  Maybe something like:</p:text>
+    <p:extLst>
+      <p:ext uri="{C676402C-5697-4E1C-873F-D02D1690AC5C}">
+        <p15:threadingInfo xmlns:p15="http://schemas.microsoft.com/office/powerpoint/2012/main" timeZoneBias="480">
+          <p15:parentCm authorId="1" idx="2"/>
+        </p15:threadingInfo>
+      </p:ext>
+    </p:extLst>
+  </p:cm>
+  <p:cm authorId="1" dt="2019-01-15T07:03:44.825" idx="5">
+    <p:pos x="10" y="298"/>
+    <p:text>We hypothesize that education level and access to healthcare are positively correlated with opioid death rates due to the scarcity of prescription drug availability.</p:text>
+    <p:extLst>
+      <p:ext uri="{C676402C-5697-4E1C-873F-D02D1690AC5C}">
+        <p15:threadingInfo xmlns:p15="http://schemas.microsoft.com/office/powerpoint/2012/main" timeZoneBias="480">
+          <p15:parentCm authorId="1" idx="2"/>
+        </p15:threadingInfo>
+      </p:ext>
+    </p:extLst>
+  </p:cm>
+  <p:cm authorId="1" dt="2019-01-15T07:04:46.412" idx="6">
+    <p:pos x="10" y="394"/>
+    <p:text>Generally, avoid words like "believe" in quantitative presentations and state hypothesis specifically so that the goals of the analysis are very clear.</p:text>
+    <p:extLst>
+      <p:ext uri="{C676402C-5697-4E1C-873F-D02D1690AC5C}">
+        <p15:threadingInfo xmlns:p15="http://schemas.microsoft.com/office/powerpoint/2012/main" timeZoneBias="480">
+          <p15:parentCm authorId="1" idx="2"/>
+        </p15:threadingInfo>
+      </p:ext>
+    </p:extLst>
+  </p:cm>
+</p:cmLst>
+</file>
+
+<file path=ppt/comments/comment3.xml><?xml version="1.0" encoding="utf-8"?>
+<p:cmLst xmlns:a="http://schemas.openxmlformats.org/drawingml/2006/main" xmlns:r="http://schemas.openxmlformats.org/officeDocument/2006/relationships" xmlns:p="http://schemas.openxmlformats.org/presentationml/2006/main">
+  <p:cm authorId="1" dt="2019-01-15T07:09:16.147" idx="11">
+    <p:pos x="2470" y="2371"/>
+    <p:text>Regression analysis revealed correlations between opioid death rates and the expected predictors. </p:text>
+    <p:extLst>
+      <p:ext uri="{C676402C-5697-4E1C-873F-D02D1690AC5C}">
+        <p15:threadingInfo xmlns:p15="http://schemas.microsoft.com/office/powerpoint/2012/main" timeZoneBias="480"/>
+      </p:ext>
+    </p:extLst>
+  </p:cm>
+  <p:cm authorId="1" dt="2019-01-15T07:09:52.317" idx="12">
+    <p:pos x="5877" y="2847"/>
+    <p:text>Passing legislation focused on preventing opioid related deaths is positively associated with opioid death rates in that area</p:text>
+    <p:extLst>
+      <p:ext uri="{C676402C-5697-4E1C-873F-D02D1690AC5C}">
+        <p15:threadingInfo xmlns:p15="http://schemas.microsoft.com/office/powerpoint/2012/main" timeZoneBias="480"/>
+      </p:ext>
+    </p:extLst>
+  </p:cm>
+  <p:cm authorId="1" dt="2019-01-15T07:14:15.200" idx="13">
+    <p:pos x="1589" y="3324"/>
+    <p:text>This is ambiguous.  What kind of role?  Which factors?  Are they positively or negatively associated with death rates?  Are the statistically significant?  Etc.</p:text>
+    <p:extLst>
+      <p:ext uri="{C676402C-5697-4E1C-873F-D02D1690AC5C}">
+        <p15:threadingInfo xmlns:p15="http://schemas.microsoft.com/office/powerpoint/2012/main" timeZoneBias="480"/>
+      </p:ext>
+    </p:extLst>
+  </p:cm>
+</p:cmLst>
+</file>
+
+<file path=ppt/comments/comment4.xml><?xml version="1.0" encoding="utf-8"?>
+<p:cmLst xmlns:a="http://schemas.openxmlformats.org/drawingml/2006/main" xmlns:r="http://schemas.openxmlformats.org/officeDocument/2006/relationships" xmlns:p="http://schemas.openxmlformats.org/presentationml/2006/main">
+  <p:cm authorId="1" dt="2019-01-15T07:16:22.795" idx="14">
+    <p:pos x="814" y="1119"/>
+    <p:text/>
+    <p:extLst>
+      <p:ext uri="{C676402C-5697-4E1C-873F-D02D1690AC5C}">
+        <p15:threadingInfo xmlns:p15="http://schemas.microsoft.com/office/powerpoint/2012/main" timeZoneBias="480"/>
+      </p:ext>
+    </p:extLst>
+  </p:cm>
+  <p:cm authorId="1" dt="2019-01-15T07:16:27.588" idx="15">
+    <p:pos x="10" y="10"/>
+    <p:text>Opioid related overdoses per 100,000 population?  Try and be very specific on axis labels </p:text>
+    <p:extLst>
+      <p:ext uri="{C676402C-5697-4E1C-873F-D02D1690AC5C}">
+        <p15:threadingInfo xmlns:p15="http://schemas.microsoft.com/office/powerpoint/2012/main" timeZoneBias="480"/>
+      </p:ext>
+    </p:extLst>
+  </p:cm>
+</p:cmLst>
+</file>
+
+<file path=ppt/comments/comment5.xml><?xml version="1.0" encoding="utf-8"?>
+<p:cmLst xmlns:a="http://schemas.openxmlformats.org/drawingml/2006/main" xmlns:r="http://schemas.openxmlformats.org/officeDocument/2006/relationships" xmlns:p="http://schemas.openxmlformats.org/presentationml/2006/main">
+  <p:cm authorId="1" dt="2019-01-15T07:18:06.610" idx="16">
+    <p:pos x="4767" y="3964"/>
+    <p:text>Nice figure.  Be sure to label the color bar.</p:text>
+    <p:extLst>
+      <p:ext uri="{C676402C-5697-4E1C-873F-D02D1690AC5C}">
+        <p15:threadingInfo xmlns:p15="http://schemas.microsoft.com/office/powerpoint/2012/main" timeZoneBias="480"/>
+      </p:ext>
+    </p:extLst>
+  </p:cm>
+</p:cmLst>
+</file>
+
+<file path=ppt/comments/comment6.xml><?xml version="1.0" encoding="utf-8"?>
+<p:cmLst xmlns:a="http://schemas.openxmlformats.org/drawingml/2006/main" xmlns:r="http://schemas.openxmlformats.org/officeDocument/2006/relationships" xmlns:p="http://schemas.openxmlformats.org/presentationml/2006/main">
+  <p:cm authorId="1" dt="2019-01-15T07:22:34.965" idx="17">
+    <p:pos x="2109" y="1442"/>
+    <p:text>Unclear what the y axis is here</p:text>
+    <p:extLst>
+      <p:ext uri="{C676402C-5697-4E1C-873F-D02D1690AC5C}">
+        <p15:threadingInfo xmlns:p15="http://schemas.microsoft.com/office/powerpoint/2012/main" timeZoneBias="480"/>
+      </p:ext>
+    </p:extLst>
+  </p:cm>
+</p:cmLst>
+</file>
+
+<file path=ppt/comments/comment7.xml><?xml version="1.0" encoding="utf-8"?>
+<p:cmLst xmlns:a="http://schemas.openxmlformats.org/drawingml/2006/main" xmlns:r="http://schemas.openxmlformats.org/officeDocument/2006/relationships" xmlns:p="http://schemas.openxmlformats.org/presentationml/2006/main">
+  <p:cm authorId="1" dt="2019-01-15T07:24:46.984" idx="19">
+    <p:pos x="1418" y="1880"/>
+    <p:text>I don't think this is a complete sentence</p:text>
+    <p:extLst>
+      <p:ext uri="{C676402C-5697-4E1C-873F-D02D1690AC5C}">
+        <p15:threadingInfo xmlns:p15="http://schemas.microsoft.com/office/powerpoint/2012/main" timeZoneBias="480"/>
+      </p:ext>
+    </p:extLst>
+  </p:cm>
+  <p:cm authorId="1" dt="2019-01-15T07:25:15.649" idx="20">
+    <p:pos x="3893" y="2094"/>
+    <p:text>It is appropriate to include the formula you used for "bi-partisan support score" if it is easier to present that then explain it in paragraph form</p:text>
+    <p:extLst>
+      <p:ext uri="{C676402C-5697-4E1C-873F-D02D1690AC5C}">
+        <p15:threadingInfo xmlns:p15="http://schemas.microsoft.com/office/powerpoint/2012/main" timeZoneBias="480"/>
+      </p:ext>
+    </p:extLst>
+  </p:cm>
+</p:cmLst>
+</file>
+
+<file path=ppt/comments/comment8.xml><?xml version="1.0" encoding="utf-8"?>
+<p:cmLst xmlns:a="http://schemas.openxmlformats.org/drawingml/2006/main" xmlns:r="http://schemas.openxmlformats.org/officeDocument/2006/relationships" xmlns:p="http://schemas.openxmlformats.org/presentationml/2006/main">
+  <p:cm authorId="1" dt="2019-01-15T07:26:16.876" idx="21">
+    <p:pos x="1311" y="1638"/>
+    <p:text>Label y axes</p:text>
+    <p:extLst>
+      <p:ext uri="{C676402C-5697-4E1C-873F-D02D1690AC5C}">
+        <p15:threadingInfo xmlns:p15="http://schemas.microsoft.com/office/powerpoint/2012/main" timeZoneBias="480"/>
+      </p:ext>
+    </p:extLst>
+  </p:cm>
+</p:cmLst>
+</file>
+
+<file path=ppt/comments/comment9.xml><?xml version="1.0" encoding="utf-8"?>
+<p:cmLst xmlns:a="http://schemas.openxmlformats.org/drawingml/2006/main" xmlns:r="http://schemas.openxmlformats.org/officeDocument/2006/relationships" xmlns:p="http://schemas.openxmlformats.org/presentationml/2006/main">
+  <p:cm authorId="1" dt="2019-01-15T07:33:31.100" idx="24">
+    <p:pos x="10" y="10"/>
+    <p:text>This is a really interesting plot.  I know that we haven't covered this in class, but you are exploring the linear relationship between one outcome (death rate) and multiple predictors (education and age)</p:text>
+    <p:extLst>
+      <p:ext uri="{C676402C-5697-4E1C-873F-D02D1690AC5C}">
+        <p15:threadingInfo xmlns:p15="http://schemas.microsoft.com/office/powerpoint/2012/main" timeZoneBias="480"/>
+      </p:ext>
+    </p:extLst>
+  </p:cm>
+  <p:cm authorId="1" dt="2019-01-15T07:35:55.147" idx="25">
+    <p:pos x="10" y="106"/>
+    <p:text>In order to test the statistical significance of this regression, the strength of the correlations, etc, you can apply multiple linear regression:</p:text>
+    <p:extLst>
+      <p:ext uri="{C676402C-5697-4E1C-873F-D02D1690AC5C}">
+        <p15:threadingInfo xmlns:p15="http://schemas.microsoft.com/office/powerpoint/2012/main" timeZoneBias="480">
+          <p15:parentCm authorId="1" idx="24"/>
+        </p15:threadingInfo>
+      </p:ext>
+    </p:extLst>
+  </p:cm>
+  <p:cm authorId="1" dt="2019-01-15T07:39:15.845" idx="26">
+    <p:pos x="10" y="202"/>
+    <p:text>http://www.stat.yale.edu/Courses/1997-98/101/linmult.htm</p:text>
+    <p:extLst>
+      <p:ext uri="{C676402C-5697-4E1C-873F-D02D1690AC5C}">
+        <p15:threadingInfo xmlns:p15="http://schemas.microsoft.com/office/powerpoint/2012/main" timeZoneBias="480">
+          <p15:parentCm authorId="1" idx="24"/>
+        </p15:threadingInfo>
+      </p:ext>
+    </p:extLst>
+  </p:cm>
+  <p:cm authorId="1" dt="2019-01-15T07:39:56.825" idx="27">
+    <p:pos x="10" y="298"/>
+    <p:text>If you apply multiple linear regression here, the results can be presented in a much more quantitative way</p:text>
+    <p:extLst>
+      <p:ext uri="{C676402C-5697-4E1C-873F-D02D1690AC5C}">
+        <p15:threadingInfo xmlns:p15="http://schemas.microsoft.com/office/powerpoint/2012/main" timeZoneBias="480">
+          <p15:parentCm authorId="1" idx="24"/>
+        </p15:threadingInfo>
+      </p:ext>
+    </p:extLst>
+  </p:cm>
+  <p:cm authorId="1" dt="2019-01-15T07:49:49.371" idx="34">
+    <p:pos x="10" y="394"/>
+    <p:text>Looking ahead a bit, this comment applies to all of your scatter plots.  It would be really good practice to try this again with multiple linear regression.  It is actually more common to analyze multiple predictors simultaneously in data analytics.</p:text>
+    <p:extLst>
+      <p:ext uri="{C676402C-5697-4E1C-873F-D02D1690AC5C}">
+        <p15:threadingInfo xmlns:p15="http://schemas.microsoft.com/office/powerpoint/2012/main" timeZoneBias="480">
+          <p15:parentCm authorId="1" idx="24"/>
+        </p15:threadingInfo>
+      </p:ext>
+    </p:extLst>
+  </p:cm>
+</p:cmLst>
 </file>
 
 <file path=ppt/diagrams/colors1.xml><?xml version="1.0" encoding="utf-8"?>
@@ -4579,8 +4917,8 @@
     </dgm:pt>
   </dgm:ptLst>
   <dgm:cxnLst>
+    <dgm:cxn modelId="{6BDE7B59-6BE6-46C9-848B-C3A0C3278351}" srcId="{3E97DC75-A5D9-493D-BF7C-DFD7E64139EE}" destId="{0227FEB2-2B95-4408-8C72-3A009CA55C01}" srcOrd="0" destOrd="0" parTransId="{70DDDC35-D198-44E0-B942-1158D9D9B9C6}" sibTransId="{6B684AA3-47A9-4A66-A7F5-F6626040F507}"/>
     <dgm:cxn modelId="{5DFB7A6F-1E80-437E-A4BA-8EE03372A701}" srcId="{3E97DC75-A5D9-493D-BF7C-DFD7E64139EE}" destId="{F4748982-F88A-4A73-AF43-D8A7D0A20FAF}" srcOrd="2" destOrd="0" parTransId="{5EE9A638-D5AB-4EE1-8851-A3CD694AEFE3}" sibTransId="{607B4C5D-F5A2-4117-8ADD-B851F4F27674}"/>
-    <dgm:cxn modelId="{6BDE7B59-6BE6-46C9-848B-C3A0C3278351}" srcId="{3E97DC75-A5D9-493D-BF7C-DFD7E64139EE}" destId="{0227FEB2-2B95-4408-8C72-3A009CA55C01}" srcOrd="0" destOrd="0" parTransId="{70DDDC35-D198-44E0-B942-1158D9D9B9C6}" sibTransId="{6B684AA3-47A9-4A66-A7F5-F6626040F507}"/>
     <dgm:cxn modelId="{B0072393-66F7-4AA0-86B6-B86185EF55BE}" type="presOf" srcId="{281B0C7B-A098-4BB5-852F-E7C0829BCD48}" destId="{F7158216-9AC4-4B93-8FD6-48E03E34674A}" srcOrd="0" destOrd="0" presId="urn:microsoft.com/office/officeart/2018/2/layout/IconVerticalSolidList"/>
     <dgm:cxn modelId="{F4CA3E9C-E22D-4044-9F44-C0D0CE48184D}" type="presOf" srcId="{0227FEB2-2B95-4408-8C72-3A009CA55C01}" destId="{1AEFDDBF-6775-479D-A00B-362529B77FCE}" srcOrd="0" destOrd="0" presId="urn:microsoft.com/office/officeart/2018/2/layout/IconVerticalSolidList"/>
     <dgm:cxn modelId="{016198C9-9AA4-44FD-808D-15A9DB127337}" type="presOf" srcId="{3E97DC75-A5D9-493D-BF7C-DFD7E64139EE}" destId="{9447BAA8-4A61-4563-92E0-622AB7B39081}" srcOrd="0" destOrd="0" presId="urn:microsoft.com/office/officeart/2018/2/layout/IconVerticalSolidList"/>
@@ -11802,7 +12140,7 @@
           <a:p>
             <a:fld id="{022EB929-C8E7-4C69-B2B3-E06BE6FBF3CD}" type="datetimeFigureOut">
               <a:rPr lang="en-US" smtClean="0"/>
-              <a:t>12/20/2018</a:t>
+              <a:t>1/15/19</a:t>
             </a:fld>
             <a:endParaRPr lang="en-US"/>
           </a:p>
@@ -14116,7 +14454,7 @@
           <a:p>
             <a:fld id="{3F974312-6224-4E05-BC8F-FA4F74461FF7}" type="datetimeFigureOut">
               <a:rPr lang="en-US" smtClean="0"/>
-              <a:t>12/18/2018</a:t>
+              <a:t>1/15/19</a:t>
             </a:fld>
             <a:endParaRPr lang="en-US"/>
           </a:p>
@@ -14391,7 +14729,7 @@
           <a:p>
             <a:fld id="{3F974312-6224-4E05-BC8F-FA4F74461FF7}" type="datetimeFigureOut">
               <a:rPr lang="en-US" smtClean="0"/>
-              <a:t>12/18/2018</a:t>
+              <a:t>1/15/19</a:t>
             </a:fld>
             <a:endParaRPr lang="en-US"/>
           </a:p>
@@ -14585,7 +14923,7 @@
           <a:p>
             <a:fld id="{3F974312-6224-4E05-BC8F-FA4F74461FF7}" type="datetimeFigureOut">
               <a:rPr lang="en-US" smtClean="0"/>
-              <a:t>12/18/2018</a:t>
+              <a:t>1/15/19</a:t>
             </a:fld>
             <a:endParaRPr lang="en-US"/>
           </a:p>
@@ -14858,7 +15196,7 @@
           <a:p>
             <a:fld id="{3F974312-6224-4E05-BC8F-FA4F74461FF7}" type="datetimeFigureOut">
               <a:rPr lang="en-US" smtClean="0"/>
-              <a:t>12/18/2018</a:t>
+              <a:t>1/15/19</a:t>
             </a:fld>
             <a:endParaRPr lang="en-US"/>
           </a:p>
@@ -15199,7 +15537,7 @@
           <a:p>
             <a:fld id="{3F974312-6224-4E05-BC8F-FA4F74461FF7}" type="datetimeFigureOut">
               <a:rPr lang="en-US" smtClean="0"/>
-              <a:t>12/18/2018</a:t>
+              <a:t>1/15/19</a:t>
             </a:fld>
             <a:endParaRPr lang="en-US"/>
           </a:p>
@@ -15822,7 +16160,7 @@
           <a:p>
             <a:fld id="{3F974312-6224-4E05-BC8F-FA4F74461FF7}" type="datetimeFigureOut">
               <a:rPr lang="en-US" smtClean="0"/>
-              <a:t>12/18/2018</a:t>
+              <a:t>1/15/19</a:t>
             </a:fld>
             <a:endParaRPr lang="en-US"/>
           </a:p>
@@ -16682,7 +17020,7 @@
           <a:p>
             <a:fld id="{3F974312-6224-4E05-BC8F-FA4F74461FF7}" type="datetimeFigureOut">
               <a:rPr lang="en-US" smtClean="0"/>
-              <a:t>12/18/2018</a:t>
+              <a:t>1/15/19</a:t>
             </a:fld>
             <a:endParaRPr lang="en-US"/>
           </a:p>
@@ -16852,7 +17190,7 @@
           <a:p>
             <a:fld id="{3F974312-6224-4E05-BC8F-FA4F74461FF7}" type="datetimeFigureOut">
               <a:rPr lang="en-US" smtClean="0"/>
-              <a:t>12/18/2018</a:t>
+              <a:t>1/15/19</a:t>
             </a:fld>
             <a:endParaRPr lang="en-US"/>
           </a:p>
@@ -17032,7 +17370,7 @@
           <a:p>
             <a:fld id="{3F974312-6224-4E05-BC8F-FA4F74461FF7}" type="datetimeFigureOut">
               <a:rPr lang="en-US" smtClean="0"/>
-              <a:t>12/18/2018</a:t>
+              <a:t>1/15/19</a:t>
             </a:fld>
             <a:endParaRPr lang="en-US"/>
           </a:p>
@@ -17202,7 +17540,7 @@
           <a:p>
             <a:fld id="{3F974312-6224-4E05-BC8F-FA4F74461FF7}" type="datetimeFigureOut">
               <a:rPr lang="en-US" smtClean="0"/>
-              <a:t>12/18/2018</a:t>
+              <a:t>1/15/19</a:t>
             </a:fld>
             <a:endParaRPr lang="en-US"/>
           </a:p>
@@ -17449,7 +17787,7 @@
           <a:p>
             <a:fld id="{3F974312-6224-4E05-BC8F-FA4F74461FF7}" type="datetimeFigureOut">
               <a:rPr lang="en-US" smtClean="0"/>
-              <a:t>12/18/2018</a:t>
+              <a:t>1/15/19</a:t>
             </a:fld>
             <a:endParaRPr lang="en-US"/>
           </a:p>
@@ -17741,7 +18079,7 @@
           <a:p>
             <a:fld id="{3F974312-6224-4E05-BC8F-FA4F74461FF7}" type="datetimeFigureOut">
               <a:rPr lang="en-US" smtClean="0"/>
-              <a:t>12/18/2018</a:t>
+              <a:t>1/15/19</a:t>
             </a:fld>
             <a:endParaRPr lang="en-US"/>
           </a:p>
@@ -18185,7 +18523,7 @@
           <a:p>
             <a:fld id="{3F974312-6224-4E05-BC8F-FA4F74461FF7}" type="datetimeFigureOut">
               <a:rPr lang="en-US" smtClean="0"/>
-              <a:t>12/18/2018</a:t>
+              <a:t>1/15/19</a:t>
             </a:fld>
             <a:endParaRPr lang="en-US"/>
           </a:p>
@@ -18303,7 +18641,7 @@
           <a:p>
             <a:fld id="{3F974312-6224-4E05-BC8F-FA4F74461FF7}" type="datetimeFigureOut">
               <a:rPr lang="en-US" smtClean="0"/>
-              <a:t>12/18/2018</a:t>
+              <a:t>1/15/19</a:t>
             </a:fld>
             <a:endParaRPr lang="en-US"/>
           </a:p>
@@ -18398,7 +18736,7 @@
           <a:p>
             <a:fld id="{3F974312-6224-4E05-BC8F-FA4F74461FF7}" type="datetimeFigureOut">
               <a:rPr lang="en-US" smtClean="0"/>
-              <a:t>12/18/2018</a:t>
+              <a:t>1/15/19</a:t>
             </a:fld>
             <a:endParaRPr lang="en-US"/>
           </a:p>
@@ -18677,7 +19015,7 @@
           <a:p>
             <a:fld id="{3F974312-6224-4E05-BC8F-FA4F74461FF7}" type="datetimeFigureOut">
               <a:rPr lang="en-US" smtClean="0"/>
-              <a:t>12/18/2018</a:t>
+              <a:t>1/15/19</a:t>
             </a:fld>
             <a:endParaRPr lang="en-US"/>
           </a:p>
@@ -18952,7 +19290,7 @@
           <a:p>
             <a:fld id="{3F974312-6224-4E05-BC8F-FA4F74461FF7}" type="datetimeFigureOut">
               <a:rPr lang="en-US" smtClean="0"/>
-              <a:t>12/18/2018</a:t>
+              <a:t>1/15/19</a:t>
             </a:fld>
             <a:endParaRPr lang="en-US"/>
           </a:p>
@@ -19381,7 +19719,7 @@
           <a:p>
             <a:fld id="{3F974312-6224-4E05-BC8F-FA4F74461FF7}" type="datetimeFigureOut">
               <a:rPr lang="en-US" smtClean="0"/>
-              <a:t>12/18/2018</a:t>
+              <a:t>1/15/19</a:t>
             </a:fld>
             <a:endParaRPr lang="en-US"/>
           </a:p>
@@ -21584,7 +21922,7 @@
         </p:blipFill>
         <p:spPr>
           <a:xfrm>
-            <a:off x="3310467" y="643467"/>
+            <a:off x="3230039" y="833171"/>
             <a:ext cx="5571066" cy="5571066"/>
           </a:xfrm>
           <a:prstGeom prst="rect">
